--- a/assets/game architecture/ZooKill Soccer Game Design Document.pptx
+++ b/assets/game architecture/ZooKill Soccer Game Design Document.pptx
@@ -2,7 +2,7 @@
 <file path=ppt/presentation.xml><?xml version="1.0" encoding="utf-8"?>
 <p:presentation xmlns:a="http://schemas.openxmlformats.org/drawingml/2006/main" xmlns:r="http://schemas.openxmlformats.org/officeDocument/2006/relationships" xmlns:p="http://schemas.openxmlformats.org/presentationml/2006/main" saveSubsetFonts="1">
   <p:sldMasterIdLst>
-    <p:sldMasterId id="2147483648" r:id="rId1"/>
+    <p:sldMasterId id="2147483684" r:id="rId1"/>
   </p:sldMasterIdLst>
   <p:sldIdLst>
     <p:sldId id="256" r:id="rId2"/>
@@ -155,6 +155,14 @@
 <file path=ppt/slideLayouts/slideLayout1.xml><?xml version="1.0" encoding="utf-8"?>
 <p:sldLayout xmlns:a="http://schemas.openxmlformats.org/drawingml/2006/main" xmlns:r="http://schemas.openxmlformats.org/officeDocument/2006/relationships" xmlns:p="http://schemas.openxmlformats.org/presentationml/2006/main" type="title" preserve="1">
   <p:cSld name="Title Slide">
+    <p:bg>
+      <p:bgPr>
+        <a:solidFill>
+          <a:schemeClr val="accent2"/>
+        </a:solidFill>
+        <a:effectLst/>
+      </p:bgPr>
+    </p:bg>
     <p:spTree>
       <p:nvGrpSpPr>
         <p:cNvPr id="1" name=""/>
@@ -179,21 +187,39 @@
             <p:ph type="ctrTitle"/>
           </p:nvPr>
         </p:nvSpPr>
-        <p:spPr>
-          <a:xfrm>
-            <a:off x="685800" y="2130425"/>
-            <a:ext cx="7772400" cy="1470025"/>
-          </a:xfrm>
-        </p:spPr>
-        <p:txBody>
-          <a:bodyPr/>
-          <a:lstStyle/>
+        <p:spPr bwMode="blackWhite">
+          <a:xfrm>
+            <a:off x="1102240" y="2386744"/>
+            <a:ext cx="6939520" cy="1645920"/>
+          </a:xfrm>
+          <a:solidFill>
+            <a:srgbClr val="FFFFFF"/>
+          </a:solidFill>
+          <a:ln w="38100">
+            <a:solidFill>
+              <a:srgbClr val="404040"/>
+            </a:solidFill>
+          </a:ln>
+        </p:spPr>
+        <p:txBody>
+          <a:bodyPr lIns="274320" rIns="274320" anchor="ctr" anchorCtr="1">
+            <a:normAutofit/>
+          </a:bodyPr>
+          <a:lstStyle>
+            <a:lvl1pPr algn="ctr">
+              <a:defRPr sz="3500">
+                <a:solidFill>
+                  <a:srgbClr val="262626"/>
+                </a:solidFill>
+              </a:defRPr>
+            </a:lvl1pPr>
+          </a:lstStyle>
           <a:p>
             <a:r>
               <a:rPr lang="en-US" smtClean="0"/>
               <a:t>Click to edit Master title style</a:t>
             </a:r>
-            <a:endParaRPr lang="en-US"/>
+            <a:endParaRPr lang="en-US" dirty="0"/>
           </a:p>
         </p:txBody>
       </p:sp>
@@ -209,102 +235,58 @@
         </p:nvSpPr>
         <p:spPr>
           <a:xfrm>
-            <a:off x="1371600" y="3886200"/>
-            <a:ext cx="6400800" cy="1752600"/>
-          </a:xfrm>
-        </p:spPr>
-        <p:txBody>
-          <a:bodyPr/>
+            <a:off x="2021396" y="4352544"/>
+            <a:ext cx="5101209" cy="1239894"/>
+          </a:xfrm>
+          <a:noFill/>
+        </p:spPr>
+        <p:txBody>
+          <a:bodyPr>
+            <a:normAutofit/>
+          </a:bodyPr>
           <a:lstStyle>
             <a:lvl1pPr marL="0" indent="0" algn="ctr">
               <a:buNone/>
-              <a:defRPr>
+              <a:defRPr sz="1900">
                 <a:solidFill>
                   <a:schemeClr val="tx1">
-                    <a:tint val="75000"/>
+                    <a:lumMod val="75000"/>
+                    <a:lumOff val="25000"/>
                   </a:schemeClr>
                 </a:solidFill>
               </a:defRPr>
             </a:lvl1pPr>
             <a:lvl2pPr marL="457200" indent="0" algn="ctr">
               <a:buNone/>
-              <a:defRPr>
-                <a:solidFill>
-                  <a:schemeClr val="tx1">
-                    <a:tint val="75000"/>
-                  </a:schemeClr>
-                </a:solidFill>
-              </a:defRPr>
+              <a:defRPr sz="1900"/>
             </a:lvl2pPr>
             <a:lvl3pPr marL="914400" indent="0" algn="ctr">
               <a:buNone/>
-              <a:defRPr>
-                <a:solidFill>
-                  <a:schemeClr val="tx1">
-                    <a:tint val="75000"/>
-                  </a:schemeClr>
-                </a:solidFill>
-              </a:defRPr>
+              <a:defRPr sz="1800"/>
             </a:lvl3pPr>
             <a:lvl4pPr marL="1371600" indent="0" algn="ctr">
               <a:buNone/>
-              <a:defRPr>
-                <a:solidFill>
-                  <a:schemeClr val="tx1">
-                    <a:tint val="75000"/>
-                  </a:schemeClr>
-                </a:solidFill>
-              </a:defRPr>
+              <a:defRPr sz="1600"/>
             </a:lvl4pPr>
             <a:lvl5pPr marL="1828800" indent="0" algn="ctr">
               <a:buNone/>
-              <a:defRPr>
-                <a:solidFill>
-                  <a:schemeClr val="tx1">
-                    <a:tint val="75000"/>
-                  </a:schemeClr>
-                </a:solidFill>
-              </a:defRPr>
+              <a:defRPr sz="1600"/>
             </a:lvl5pPr>
             <a:lvl6pPr marL="2286000" indent="0" algn="ctr">
               <a:buNone/>
-              <a:defRPr>
-                <a:solidFill>
-                  <a:schemeClr val="tx1">
-                    <a:tint val="75000"/>
-                  </a:schemeClr>
-                </a:solidFill>
-              </a:defRPr>
+              <a:defRPr sz="1600"/>
             </a:lvl6pPr>
             <a:lvl7pPr marL="2743200" indent="0" algn="ctr">
               <a:buNone/>
-              <a:defRPr>
-                <a:solidFill>
-                  <a:schemeClr val="tx1">
-                    <a:tint val="75000"/>
-                  </a:schemeClr>
-                </a:solidFill>
-              </a:defRPr>
+              <a:defRPr sz="1600"/>
             </a:lvl7pPr>
             <a:lvl8pPr marL="3200400" indent="0" algn="ctr">
               <a:buNone/>
-              <a:defRPr>
-                <a:solidFill>
-                  <a:schemeClr val="tx1">
-                    <a:tint val="75000"/>
-                  </a:schemeClr>
-                </a:solidFill>
-              </a:defRPr>
+              <a:defRPr sz="1600"/>
             </a:lvl8pPr>
             <a:lvl9pPr marL="3657600" indent="0" algn="ctr">
               <a:buNone/>
-              <a:defRPr>
-                <a:solidFill>
-                  <a:schemeClr val="tx1">
-                    <a:tint val="75000"/>
-                  </a:schemeClr>
-                </a:solidFill>
-              </a:defRPr>
+              <a:defRPr sz="1600"/>
             </a:lvl9pPr>
           </a:lstStyle>
           <a:p>
@@ -312,13 +294,13 @@
               <a:rPr lang="en-US" smtClean="0"/>
               <a:t>Click to edit Master subtitle style</a:t>
             </a:r>
-            <a:endParaRPr lang="en-US"/>
-          </a:p>
-        </p:txBody>
-      </p:sp>
-      <p:sp>
-        <p:nvSpPr>
-          <p:cNvPr id="4" name="Date Placeholder 3"/>
+            <a:endParaRPr lang="en-US" dirty="0"/>
+          </a:p>
+        </p:txBody>
+      </p:sp>
+      <p:sp>
+        <p:nvSpPr>
+          <p:cNvPr id="7" name="Date Placeholder 6"/>
           <p:cNvSpPr>
             <a:spLocks noGrp="1"/>
           </p:cNvSpPr>
@@ -333,7 +315,7 @@
           <a:p>
             <a:fld id="{14C9F191-5DFD-4C62-B838-AC695C885212}" type="datetimeFigureOut">
               <a:rPr lang="en-US" smtClean="0"/>
-              <a:t>6/7/16</a:t>
+              <a:t>6/14/16</a:t>
             </a:fld>
             <a:endParaRPr lang="en-US"/>
           </a:p>
@@ -341,7 +323,7 @@
       </p:sp>
       <p:sp>
         <p:nvSpPr>
-          <p:cNvPr id="5" name="Footer Placeholder 4"/>
+          <p:cNvPr id="8" name="Footer Placeholder 7"/>
           <p:cNvSpPr>
             <a:spLocks noGrp="1"/>
           </p:cNvSpPr>
@@ -360,7 +342,7 @@
       </p:sp>
       <p:sp>
         <p:nvSpPr>
-          <p:cNvPr id="6" name="Slide Number Placeholder 5"/>
+          <p:cNvPr id="9" name="Slide Number Placeholder 8"/>
           <p:cNvSpPr>
             <a:spLocks noGrp="1"/>
           </p:cNvSpPr>
@@ -384,7 +366,7 @@
     </p:spTree>
     <p:extLst>
       <p:ext uri="{BB962C8B-B14F-4D97-AF65-F5344CB8AC3E}">
-        <p14:creationId xmlns:p14="http://schemas.microsoft.com/office/powerpoint/2010/main" val="1367159578"/>
+        <p14:creationId xmlns:p14="http://schemas.microsoft.com/office/powerpoint/2010/main" val="111879561"/>
       </p:ext>
     </p:extLst>
   </p:cSld>
@@ -430,7 +412,7 @@
               <a:rPr lang="en-US" smtClean="0"/>
               <a:t>Click to edit Master title style</a:t>
             </a:r>
-            <a:endParaRPr lang="en-US"/>
+            <a:endParaRPr lang="en-US" dirty="0"/>
           </a:p>
         </p:txBody>
       </p:sp>
@@ -482,7 +464,7 @@
               <a:rPr lang="en-US" smtClean="0"/>
               <a:t>Fifth level</a:t>
             </a:r>
-            <a:endParaRPr lang="en-US"/>
+            <a:endParaRPr lang="en-US" dirty="0"/>
           </a:p>
         </p:txBody>
       </p:sp>
@@ -503,7 +485,7 @@
           <a:p>
             <a:fld id="{14C9F191-5DFD-4C62-B838-AC695C885212}" type="datetimeFigureOut">
               <a:rPr lang="en-US" smtClean="0"/>
-              <a:t>6/7/16</a:t>
+              <a:t>6/14/16</a:t>
             </a:fld>
             <a:endParaRPr lang="en-US"/>
           </a:p>
@@ -554,7 +536,7 @@
     </p:spTree>
     <p:extLst>
       <p:ext uri="{BB962C8B-B14F-4D97-AF65-F5344CB8AC3E}">
-        <p14:creationId xmlns:p14="http://schemas.microsoft.com/office/powerpoint/2010/main" val="699852438"/>
+        <p14:creationId xmlns:p14="http://schemas.microsoft.com/office/powerpoint/2010/main" val="1447142002"/>
       </p:ext>
     </p:extLst>
   </p:cSld>
@@ -593,8 +575,8 @@
         </p:nvSpPr>
         <p:spPr>
           <a:xfrm>
-            <a:off x="6629400" y="274638"/>
-            <a:ext cx="2057400" cy="5851525"/>
+            <a:off x="6489834" y="937260"/>
+            <a:ext cx="1053966" cy="4983480"/>
           </a:xfrm>
         </p:spPr>
         <p:txBody>
@@ -605,7 +587,7 @@
               <a:rPr lang="en-US" smtClean="0"/>
               <a:t>Click to edit Master title style</a:t>
             </a:r>
-            <a:endParaRPr lang="en-US"/>
+            <a:endParaRPr lang="en-US" dirty="0"/>
           </a:p>
         </p:txBody>
       </p:sp>
@@ -621,8 +603,8 @@
         </p:nvSpPr>
         <p:spPr>
           <a:xfrm>
-            <a:off x="457200" y="274638"/>
-            <a:ext cx="6019800" cy="5851525"/>
+            <a:off x="1606046" y="937260"/>
+            <a:ext cx="4716174" cy="4983480"/>
           </a:xfrm>
         </p:spPr>
         <p:txBody>
@@ -662,7 +644,7 @@
               <a:rPr lang="en-US" smtClean="0"/>
               <a:t>Fifth level</a:t>
             </a:r>
-            <a:endParaRPr lang="en-US"/>
+            <a:endParaRPr lang="en-US" dirty="0"/>
           </a:p>
         </p:txBody>
       </p:sp>
@@ -683,7 +665,7 @@
           <a:p>
             <a:fld id="{14C9F191-5DFD-4C62-B838-AC695C885212}" type="datetimeFigureOut">
               <a:rPr lang="en-US" smtClean="0"/>
-              <a:t>6/7/16</a:t>
+              <a:t>6/14/16</a:t>
             </a:fld>
             <a:endParaRPr lang="en-US"/>
           </a:p>
@@ -734,7 +716,7 @@
     </p:spTree>
     <p:extLst>
       <p:ext uri="{BB962C8B-B14F-4D97-AF65-F5344CB8AC3E}">
-        <p14:creationId xmlns:p14="http://schemas.microsoft.com/office/powerpoint/2010/main" val="4229952567"/>
+        <p14:creationId xmlns:p14="http://schemas.microsoft.com/office/powerpoint/2010/main" val="1863325339"/>
       </p:ext>
     </p:extLst>
   </p:cSld>
@@ -780,7 +762,7 @@
               <a:rPr lang="en-US" smtClean="0"/>
               <a:t>Click to edit Master title style</a:t>
             </a:r>
-            <a:endParaRPr lang="en-US"/>
+            <a:endParaRPr lang="en-US" dirty="0"/>
           </a:p>
         </p:txBody>
       </p:sp>
@@ -832,13 +814,13 @@
               <a:rPr lang="en-US" smtClean="0"/>
               <a:t>Fifth level</a:t>
             </a:r>
-            <a:endParaRPr lang="en-US"/>
-          </a:p>
-        </p:txBody>
-      </p:sp>
-      <p:sp>
-        <p:nvSpPr>
-          <p:cNvPr id="4" name="Date Placeholder 3"/>
+            <a:endParaRPr lang="en-US" dirty="0"/>
+          </a:p>
+        </p:txBody>
+      </p:sp>
+      <p:sp>
+        <p:nvSpPr>
+          <p:cNvPr id="7" name="Date Placeholder 6"/>
           <p:cNvSpPr>
             <a:spLocks noGrp="1"/>
           </p:cNvSpPr>
@@ -853,7 +835,7 @@
           <a:p>
             <a:fld id="{14C9F191-5DFD-4C62-B838-AC695C885212}" type="datetimeFigureOut">
               <a:rPr lang="en-US" smtClean="0"/>
-              <a:t>6/7/16</a:t>
+              <a:t>6/14/16</a:t>
             </a:fld>
             <a:endParaRPr lang="en-US"/>
           </a:p>
@@ -861,7 +843,7 @@
       </p:sp>
       <p:sp>
         <p:nvSpPr>
-          <p:cNvPr id="5" name="Footer Placeholder 4"/>
+          <p:cNvPr id="8" name="Footer Placeholder 7"/>
           <p:cNvSpPr>
             <a:spLocks noGrp="1"/>
           </p:cNvSpPr>
@@ -880,7 +862,7 @@
       </p:sp>
       <p:sp>
         <p:nvSpPr>
-          <p:cNvPr id="6" name="Slide Number Placeholder 5"/>
+          <p:cNvPr id="9" name="Slide Number Placeholder 8"/>
           <p:cNvSpPr>
             <a:spLocks noGrp="1"/>
           </p:cNvSpPr>
@@ -904,7 +886,7 @@
     </p:spTree>
     <p:extLst>
       <p:ext uri="{BB962C8B-B14F-4D97-AF65-F5344CB8AC3E}">
-        <p14:creationId xmlns:p14="http://schemas.microsoft.com/office/powerpoint/2010/main" val="3952352999"/>
+        <p14:creationId xmlns:p14="http://schemas.microsoft.com/office/powerpoint/2010/main" val="1311590602"/>
       </p:ext>
     </p:extLst>
   </p:cSld>
@@ -917,6 +899,14 @@
 <file path=ppt/slideLayouts/slideLayout3.xml><?xml version="1.0" encoding="utf-8"?>
 <p:sldLayout xmlns:a="http://schemas.openxmlformats.org/drawingml/2006/main" xmlns:r="http://schemas.openxmlformats.org/officeDocument/2006/relationships" xmlns:p="http://schemas.openxmlformats.org/presentationml/2006/main" type="secHead" preserve="1">
   <p:cSld name="Section Header">
+    <p:bg>
+      <p:bgPr>
+        <a:solidFill>
+          <a:schemeClr val="accent1"/>
+        </a:solidFill>
+        <a:effectLst/>
+      </p:bgPr>
+    </p:bg>
     <p:spTree>
       <p:nvGrpSpPr>
         <p:cNvPr id="1" name=""/>
@@ -941,17 +931,31 @@
             <p:ph type="title"/>
           </p:nvPr>
         </p:nvSpPr>
-        <p:spPr>
-          <a:xfrm>
-            <a:off x="722313" y="4406900"/>
-            <a:ext cx="7772400" cy="1362075"/>
-          </a:xfrm>
-        </p:spPr>
-        <p:txBody>
-          <a:bodyPr anchor="t"/>
+        <p:spPr bwMode="blackWhite">
+          <a:xfrm>
+            <a:off x="1106424" y="2386744"/>
+            <a:ext cx="6940296" cy="1645920"/>
+          </a:xfrm>
+          <a:solidFill>
+            <a:srgbClr val="FFFFFF"/>
+          </a:solidFill>
+          <a:ln w="38100">
+            <a:solidFill>
+              <a:srgbClr val="404040"/>
+            </a:solidFill>
+          </a:ln>
+        </p:spPr>
+        <p:txBody>
+          <a:bodyPr lIns="274320" rIns="274320" anchor="ctr" anchorCtr="1">
+            <a:normAutofit/>
+          </a:bodyPr>
           <a:lstStyle>
-            <a:lvl1pPr algn="l">
-              <a:defRPr sz="4000" b="1" cap="all"/>
+            <a:lvl1pPr>
+              <a:defRPr sz="3500">
+                <a:solidFill>
+                  <a:srgbClr val="262626"/>
+                </a:solidFill>
+              </a:defRPr>
             </a:lvl1pPr>
           </a:lstStyle>
           <a:p>
@@ -959,7 +963,7 @@
               <a:rPr lang="en-US" smtClean="0"/>
               <a:t>Click to edit Master title style</a:t>
             </a:r>
-            <a:endParaRPr lang="en-US"/>
+            <a:endParaRPr lang="en-US" dirty="0"/>
           </a:p>
         </p:txBody>
       </p:sp>
@@ -975,26 +979,26 @@
         </p:nvSpPr>
         <p:spPr>
           <a:xfrm>
-            <a:off x="722313" y="2906713"/>
-            <a:ext cx="7772400" cy="1500187"/>
-          </a:xfrm>
-        </p:spPr>
-        <p:txBody>
-          <a:bodyPr anchor="b"/>
+            <a:off x="2021396" y="4352465"/>
+            <a:ext cx="5101209" cy="1265082"/>
+          </a:xfrm>
+        </p:spPr>
+        <p:txBody>
+          <a:bodyPr anchor="t" anchorCtr="1">
+            <a:normAutofit/>
+          </a:bodyPr>
           <a:lstStyle>
             <a:lvl1pPr marL="0" indent="0">
               <a:buNone/>
-              <a:defRPr sz="2000">
+              <a:defRPr sz="1900">
                 <a:solidFill>
-                  <a:schemeClr val="tx1">
-                    <a:tint val="75000"/>
-                  </a:schemeClr>
+                  <a:schemeClr val="tx1"/>
                 </a:solidFill>
               </a:defRPr>
             </a:lvl1pPr>
             <a:lvl2pPr marL="457200" indent="0">
               <a:buNone/>
-              <a:defRPr sz="1800">
+              <a:defRPr sz="1900">
                 <a:solidFill>
                   <a:schemeClr val="tx1">
                     <a:tint val="75000"/>
@@ -1004,7 +1008,7 @@
             </a:lvl2pPr>
             <a:lvl3pPr marL="914400" indent="0">
               <a:buNone/>
-              <a:defRPr sz="1600">
+              <a:defRPr sz="1800">
                 <a:solidFill>
                   <a:schemeClr val="tx1">
                     <a:tint val="75000"/>
@@ -1014,7 +1018,7 @@
             </a:lvl3pPr>
             <a:lvl4pPr marL="1371600" indent="0">
               <a:buNone/>
-              <a:defRPr sz="1400">
+              <a:defRPr sz="1600">
                 <a:solidFill>
                   <a:schemeClr val="tx1">
                     <a:tint val="75000"/>
@@ -1024,7 +1028,7 @@
             </a:lvl4pPr>
             <a:lvl5pPr marL="1828800" indent="0">
               <a:buNone/>
-              <a:defRPr sz="1400">
+              <a:defRPr sz="1600">
                 <a:solidFill>
                   <a:schemeClr val="tx1">
                     <a:tint val="75000"/>
@@ -1034,7 +1038,7 @@
             </a:lvl5pPr>
             <a:lvl6pPr marL="2286000" indent="0">
               <a:buNone/>
-              <a:defRPr sz="1400">
+              <a:defRPr sz="1600">
                 <a:solidFill>
                   <a:schemeClr val="tx1">
                     <a:tint val="75000"/>
@@ -1044,7 +1048,7 @@
             </a:lvl6pPr>
             <a:lvl7pPr marL="2743200" indent="0">
               <a:buNone/>
-              <a:defRPr sz="1400">
+              <a:defRPr sz="1600">
                 <a:solidFill>
                   <a:schemeClr val="tx1">
                     <a:tint val="75000"/>
@@ -1054,7 +1058,7 @@
             </a:lvl7pPr>
             <a:lvl8pPr marL="3200400" indent="0">
               <a:buNone/>
-              <a:defRPr sz="1400">
+              <a:defRPr sz="1600">
                 <a:solidFill>
                   <a:schemeClr val="tx1">
                     <a:tint val="75000"/>
@@ -1064,7 +1068,7 @@
             </a:lvl8pPr>
             <a:lvl9pPr marL="3657600" indent="0">
               <a:buNone/>
-              <a:defRPr sz="1400">
+              <a:defRPr sz="1600">
                 <a:solidFill>
                   <a:schemeClr val="tx1">
                     <a:tint val="75000"/>
@@ -1084,7 +1088,7 @@
       </p:sp>
       <p:sp>
         <p:nvSpPr>
-          <p:cNvPr id="4" name="Date Placeholder 3"/>
+          <p:cNvPr id="7" name="Date Placeholder 6"/>
           <p:cNvSpPr>
             <a:spLocks noGrp="1"/>
           </p:cNvSpPr>
@@ -1099,7 +1103,7 @@
           <a:p>
             <a:fld id="{14C9F191-5DFD-4C62-B838-AC695C885212}" type="datetimeFigureOut">
               <a:rPr lang="en-US" smtClean="0"/>
-              <a:t>6/7/16</a:t>
+              <a:t>6/14/16</a:t>
             </a:fld>
             <a:endParaRPr lang="en-US"/>
           </a:p>
@@ -1107,7 +1111,7 @@
       </p:sp>
       <p:sp>
         <p:nvSpPr>
-          <p:cNvPr id="5" name="Footer Placeholder 4"/>
+          <p:cNvPr id="8" name="Footer Placeholder 7"/>
           <p:cNvSpPr>
             <a:spLocks noGrp="1"/>
           </p:cNvSpPr>
@@ -1126,7 +1130,7 @@
       </p:sp>
       <p:sp>
         <p:nvSpPr>
-          <p:cNvPr id="6" name="Slide Number Placeholder 5"/>
+          <p:cNvPr id="9" name="Slide Number Placeholder 8"/>
           <p:cNvSpPr>
             <a:spLocks noGrp="1"/>
           </p:cNvSpPr>
@@ -1150,7 +1154,7 @@
     </p:spTree>
     <p:extLst>
       <p:ext uri="{BB962C8B-B14F-4D97-AF65-F5344CB8AC3E}">
-        <p14:creationId xmlns:p14="http://schemas.microsoft.com/office/powerpoint/2010/main" val="310224368"/>
+        <p14:creationId xmlns:p14="http://schemas.microsoft.com/office/powerpoint/2010/main" val="2131095006"/>
       </p:ext>
     </p:extLst>
   </p:cSld>
@@ -1196,7 +1200,7 @@
               <a:rPr lang="en-US" smtClean="0"/>
               <a:t>Click to edit Master title style</a:t>
             </a:r>
-            <a:endParaRPr lang="en-US"/>
+            <a:endParaRPr lang="en-US" dirty="0"/>
           </a:p>
         </p:txBody>
       </p:sp>
@@ -1212,41 +1216,13 @@
         </p:nvSpPr>
         <p:spPr>
           <a:xfrm>
-            <a:off x="457200" y="1600200"/>
-            <a:ext cx="4038600" cy="4525963"/>
+            <a:off x="1102239" y="2638044"/>
+            <a:ext cx="3288023" cy="3101982"/>
           </a:xfrm>
         </p:spPr>
         <p:txBody>
           <a:bodyPr/>
-          <a:lstStyle>
-            <a:lvl1pPr>
-              <a:defRPr sz="2800"/>
-            </a:lvl1pPr>
-            <a:lvl2pPr>
-              <a:defRPr sz="2400"/>
-            </a:lvl2pPr>
-            <a:lvl3pPr>
-              <a:defRPr sz="2000"/>
-            </a:lvl3pPr>
-            <a:lvl4pPr>
-              <a:defRPr sz="1800"/>
-            </a:lvl4pPr>
-            <a:lvl5pPr>
-              <a:defRPr sz="1800"/>
-            </a:lvl5pPr>
-            <a:lvl6pPr>
-              <a:defRPr sz="1800"/>
-            </a:lvl6pPr>
-            <a:lvl7pPr>
-              <a:defRPr sz="1800"/>
-            </a:lvl7pPr>
-            <a:lvl8pPr>
-              <a:defRPr sz="1800"/>
-            </a:lvl8pPr>
-            <a:lvl9pPr>
-              <a:defRPr sz="1800"/>
-            </a:lvl9pPr>
-          </a:lstStyle>
+          <a:lstStyle/>
           <a:p>
             <a:pPr lvl="0"/>
             <a:r>
@@ -1281,7 +1257,7 @@
               <a:rPr lang="en-US" smtClean="0"/>
               <a:t>Fifth level</a:t>
             </a:r>
-            <a:endParaRPr lang="en-US"/>
+            <a:endParaRPr lang="en-US" dirty="0"/>
           </a:p>
         </p:txBody>
       </p:sp>
@@ -1297,41 +1273,13 @@
         </p:nvSpPr>
         <p:spPr>
           <a:xfrm>
-            <a:off x="4648200" y="1600200"/>
-            <a:ext cx="4038600" cy="4525963"/>
+            <a:off x="4753737" y="2638044"/>
+            <a:ext cx="3290516" cy="3101982"/>
           </a:xfrm>
         </p:spPr>
         <p:txBody>
           <a:bodyPr/>
-          <a:lstStyle>
-            <a:lvl1pPr>
-              <a:defRPr sz="2800"/>
-            </a:lvl1pPr>
-            <a:lvl2pPr>
-              <a:defRPr sz="2400"/>
-            </a:lvl2pPr>
-            <a:lvl3pPr>
-              <a:defRPr sz="2000"/>
-            </a:lvl3pPr>
-            <a:lvl4pPr>
-              <a:defRPr sz="1800"/>
-            </a:lvl4pPr>
-            <a:lvl5pPr>
-              <a:defRPr sz="1800"/>
-            </a:lvl5pPr>
-            <a:lvl6pPr>
-              <a:defRPr sz="1800"/>
-            </a:lvl6pPr>
-            <a:lvl7pPr>
-              <a:defRPr sz="1800"/>
-            </a:lvl7pPr>
-            <a:lvl8pPr>
-              <a:defRPr sz="1800"/>
-            </a:lvl8pPr>
-            <a:lvl9pPr>
-              <a:defRPr sz="1800"/>
-            </a:lvl9pPr>
-          </a:lstStyle>
+          <a:lstStyle/>
           <a:p>
             <a:pPr lvl="0"/>
             <a:r>
@@ -1366,13 +1314,13 @@
               <a:rPr lang="en-US" smtClean="0"/>
               <a:t>Fifth level</a:t>
             </a:r>
-            <a:endParaRPr lang="en-US"/>
-          </a:p>
-        </p:txBody>
-      </p:sp>
-      <p:sp>
-        <p:nvSpPr>
-          <p:cNvPr id="5" name="Date Placeholder 4"/>
+            <a:endParaRPr lang="en-US" dirty="0"/>
+          </a:p>
+        </p:txBody>
+      </p:sp>
+      <p:sp>
+        <p:nvSpPr>
+          <p:cNvPr id="8" name="Date Placeholder 7"/>
           <p:cNvSpPr>
             <a:spLocks noGrp="1"/>
           </p:cNvSpPr>
@@ -1387,7 +1335,7 @@
           <a:p>
             <a:fld id="{14C9F191-5DFD-4C62-B838-AC695C885212}" type="datetimeFigureOut">
               <a:rPr lang="en-US" smtClean="0"/>
-              <a:t>6/7/16</a:t>
+              <a:t>6/14/16</a:t>
             </a:fld>
             <a:endParaRPr lang="en-US"/>
           </a:p>
@@ -1395,7 +1343,7 @@
       </p:sp>
       <p:sp>
         <p:nvSpPr>
-          <p:cNvPr id="6" name="Footer Placeholder 5"/>
+          <p:cNvPr id="9" name="Footer Placeholder 8"/>
           <p:cNvSpPr>
             <a:spLocks noGrp="1"/>
           </p:cNvSpPr>
@@ -1414,7 +1362,7 @@
       </p:sp>
       <p:sp>
         <p:nvSpPr>
-          <p:cNvPr id="7" name="Slide Number Placeholder 6"/>
+          <p:cNvPr id="10" name="Slide Number Placeholder 9"/>
           <p:cNvSpPr>
             <a:spLocks noGrp="1"/>
           </p:cNvSpPr>
@@ -1438,7 +1386,7 @@
     </p:spTree>
     <p:extLst>
       <p:ext uri="{BB962C8B-B14F-4D97-AF65-F5344CB8AC3E}">
-        <p14:creationId xmlns:p14="http://schemas.microsoft.com/office/powerpoint/2010/main" val="702282289"/>
+        <p14:creationId xmlns:p14="http://schemas.microsoft.com/office/powerpoint/2010/main" val="1581501176"/>
       </p:ext>
     </p:extLst>
   </p:cSld>
@@ -1467,33 +1415,6 @@
       </p:grpSpPr>
       <p:sp>
         <p:nvSpPr>
-          <p:cNvPr id="2" name="Title 1"/>
-          <p:cNvSpPr>
-            <a:spLocks noGrp="1"/>
-          </p:cNvSpPr>
-          <p:nvPr>
-            <p:ph type="title"/>
-          </p:nvPr>
-        </p:nvSpPr>
-        <p:spPr/>
-        <p:txBody>
-          <a:bodyPr/>
-          <a:lstStyle>
-            <a:lvl1pPr>
-              <a:defRPr/>
-            </a:lvl1pPr>
-          </a:lstStyle>
-          <a:p>
-            <a:r>
-              <a:rPr lang="en-US" smtClean="0"/>
-              <a:t>Click to edit Master title style</a:t>
-            </a:r>
-            <a:endParaRPr lang="en-US"/>
-          </a:p>
-        </p:txBody>
-      </p:sp>
-      <p:sp>
-        <p:nvSpPr>
           <p:cNvPr id="3" name="Text Placeholder 2"/>
           <p:cNvSpPr>
             <a:spLocks noGrp="1"/>
@@ -1504,20 +1425,26 @@
         </p:nvSpPr>
         <p:spPr>
           <a:xfrm>
-            <a:off x="457200" y="1535113"/>
-            <a:ext cx="4040188" cy="639762"/>
-          </a:xfrm>
-        </p:spPr>
-        <p:txBody>
-          <a:bodyPr anchor="b"/>
+            <a:off x="1102239" y="2313434"/>
+            <a:ext cx="3288024" cy="704087"/>
+          </a:xfrm>
+        </p:spPr>
+        <p:txBody>
+          <a:bodyPr anchor="b" anchorCtr="1">
+            <a:normAutofit/>
+          </a:bodyPr>
           <a:lstStyle>
-            <a:lvl1pPr marL="0" indent="0">
+            <a:lvl1pPr marL="0" indent="0" algn="ctr">
               <a:buNone/>
-              <a:defRPr sz="2400" b="1"/>
+              <a:defRPr sz="1900" b="0" cap="all" spc="100" baseline="0">
+                <a:solidFill>
+                  <a:schemeClr val="tx2"/>
+                </a:solidFill>
+              </a:defRPr>
             </a:lvl1pPr>
             <a:lvl2pPr marL="457200" indent="0">
               <a:buNone/>
-              <a:defRPr sz="2000" b="1"/>
+              <a:defRPr sz="1900" b="1"/>
             </a:lvl2pPr>
             <a:lvl3pPr marL="914400" indent="0">
               <a:buNone/>
@@ -1569,41 +1496,13 @@
         </p:nvSpPr>
         <p:spPr>
           <a:xfrm>
-            <a:off x="457200" y="2174875"/>
-            <a:ext cx="4040188" cy="3951288"/>
+            <a:off x="1102239" y="3143250"/>
+            <a:ext cx="3288024" cy="2596776"/>
           </a:xfrm>
         </p:spPr>
         <p:txBody>
           <a:bodyPr/>
-          <a:lstStyle>
-            <a:lvl1pPr>
-              <a:defRPr sz="2400"/>
-            </a:lvl1pPr>
-            <a:lvl2pPr>
-              <a:defRPr sz="2000"/>
-            </a:lvl2pPr>
-            <a:lvl3pPr>
-              <a:defRPr sz="1800"/>
-            </a:lvl3pPr>
-            <a:lvl4pPr>
-              <a:defRPr sz="1600"/>
-            </a:lvl4pPr>
-            <a:lvl5pPr>
-              <a:defRPr sz="1600"/>
-            </a:lvl5pPr>
-            <a:lvl6pPr>
-              <a:defRPr sz="1600"/>
-            </a:lvl6pPr>
-            <a:lvl7pPr>
-              <a:defRPr sz="1600"/>
-            </a:lvl7pPr>
-            <a:lvl8pPr>
-              <a:defRPr sz="1600"/>
-            </a:lvl8pPr>
-            <a:lvl9pPr>
-              <a:defRPr sz="1600"/>
-            </a:lvl9pPr>
-          </a:lstStyle>
+          <a:lstStyle/>
           <a:p>
             <a:pPr lvl="0"/>
             <a:r>
@@ -1638,36 +1537,103 @@
               <a:rPr lang="en-US" smtClean="0"/>
               <a:t>Fifth level</a:t>
             </a:r>
-            <a:endParaRPr lang="en-US"/>
-          </a:p>
-        </p:txBody>
-      </p:sp>
-      <p:sp>
-        <p:nvSpPr>
-          <p:cNvPr id="5" name="Text Placeholder 4"/>
+            <a:endParaRPr lang="en-US" dirty="0"/>
+          </a:p>
+        </p:txBody>
+      </p:sp>
+      <p:sp>
+        <p:nvSpPr>
+          <p:cNvPr id="6" name="Content Placeholder 5"/>
           <p:cNvSpPr>
             <a:spLocks noGrp="1"/>
           </p:cNvSpPr>
           <p:nvPr>
-            <p:ph type="body" sz="quarter" idx="3"/>
+            <p:ph sz="quarter" idx="4"/>
           </p:nvPr>
         </p:nvSpPr>
         <p:spPr>
           <a:xfrm>
-            <a:off x="4645025" y="1535113"/>
-            <a:ext cx="4041775" cy="639762"/>
-          </a:xfrm>
-        </p:spPr>
-        <p:txBody>
-          <a:bodyPr anchor="b"/>
+            <a:off x="4753737" y="3143250"/>
+            <a:ext cx="3290516" cy="2596776"/>
+          </a:xfrm>
+        </p:spPr>
+        <p:txBody>
+          <a:bodyPr/>
           <a:lstStyle>
-            <a:lvl1pPr marL="0" indent="0">
+            <a:lvl5pPr>
+              <a:defRPr/>
+            </a:lvl5pPr>
+          </a:lstStyle>
+          <a:p>
+            <a:pPr lvl="0"/>
+            <a:r>
+              <a:rPr lang="en-US" smtClean="0"/>
+              <a:t>Click to edit Master text styles</a:t>
+            </a:r>
+          </a:p>
+          <a:p>
+            <a:pPr lvl="1"/>
+            <a:r>
+              <a:rPr lang="en-US" smtClean="0"/>
+              <a:t>Second level</a:t>
+            </a:r>
+          </a:p>
+          <a:p>
+            <a:pPr lvl="2"/>
+            <a:r>
+              <a:rPr lang="en-US" smtClean="0"/>
+              <a:t>Third level</a:t>
+            </a:r>
+          </a:p>
+          <a:p>
+            <a:pPr lvl="3"/>
+            <a:r>
+              <a:rPr lang="en-US" smtClean="0"/>
+              <a:t>Fourth level</a:t>
+            </a:r>
+          </a:p>
+          <a:p>
+            <a:pPr lvl="4"/>
+            <a:r>
+              <a:rPr lang="en-US" smtClean="0"/>
+              <a:t>Fifth level</a:t>
+            </a:r>
+            <a:endParaRPr lang="en-US" dirty="0"/>
+          </a:p>
+        </p:txBody>
+      </p:sp>
+      <p:sp>
+        <p:nvSpPr>
+          <p:cNvPr id="11" name="Text Placeholder 4"/>
+          <p:cNvSpPr>
+            <a:spLocks noGrp="1"/>
+          </p:cNvSpPr>
+          <p:nvPr>
+            <p:ph type="body" sz="quarter" idx="13"/>
+          </p:nvPr>
+        </p:nvSpPr>
+        <p:spPr>
+          <a:xfrm>
+            <a:off x="4753737" y="2313434"/>
+            <a:ext cx="3290516" cy="704087"/>
+          </a:xfrm>
+        </p:spPr>
+        <p:txBody>
+          <a:bodyPr anchor="b" anchorCtr="1">
+            <a:normAutofit/>
+          </a:bodyPr>
+          <a:lstStyle>
+            <a:lvl1pPr marL="0" indent="0" algn="ctr">
               <a:buNone/>
-              <a:defRPr sz="2400" b="1"/>
+              <a:defRPr sz="1900" b="0" cap="all" spc="100" baseline="0">
+                <a:solidFill>
+                  <a:schemeClr val="tx2"/>
+                </a:solidFill>
+              </a:defRPr>
             </a:lvl1pPr>
             <a:lvl2pPr marL="457200" indent="0">
               <a:buNone/>
-              <a:defRPr sz="2000" b="1"/>
+              <a:defRPr sz="1900" b="1"/>
             </a:lvl2pPr>
             <a:lvl3pPr marL="914400" indent="0">
               <a:buNone/>
@@ -1709,91 +1675,6 @@
       </p:sp>
       <p:sp>
         <p:nvSpPr>
-          <p:cNvPr id="6" name="Content Placeholder 5"/>
-          <p:cNvSpPr>
-            <a:spLocks noGrp="1"/>
-          </p:cNvSpPr>
-          <p:nvPr>
-            <p:ph sz="quarter" idx="4"/>
-          </p:nvPr>
-        </p:nvSpPr>
-        <p:spPr>
-          <a:xfrm>
-            <a:off x="4645025" y="2174875"/>
-            <a:ext cx="4041775" cy="3951288"/>
-          </a:xfrm>
-        </p:spPr>
-        <p:txBody>
-          <a:bodyPr/>
-          <a:lstStyle>
-            <a:lvl1pPr>
-              <a:defRPr sz="2400"/>
-            </a:lvl1pPr>
-            <a:lvl2pPr>
-              <a:defRPr sz="2000"/>
-            </a:lvl2pPr>
-            <a:lvl3pPr>
-              <a:defRPr sz="1800"/>
-            </a:lvl3pPr>
-            <a:lvl4pPr>
-              <a:defRPr sz="1600"/>
-            </a:lvl4pPr>
-            <a:lvl5pPr>
-              <a:defRPr sz="1600"/>
-            </a:lvl5pPr>
-            <a:lvl6pPr>
-              <a:defRPr sz="1600"/>
-            </a:lvl6pPr>
-            <a:lvl7pPr>
-              <a:defRPr sz="1600"/>
-            </a:lvl7pPr>
-            <a:lvl8pPr>
-              <a:defRPr sz="1600"/>
-            </a:lvl8pPr>
-            <a:lvl9pPr>
-              <a:defRPr sz="1600"/>
-            </a:lvl9pPr>
-          </a:lstStyle>
-          <a:p>
-            <a:pPr lvl="0"/>
-            <a:r>
-              <a:rPr lang="en-US" smtClean="0"/>
-              <a:t>Click to edit Master text styles</a:t>
-            </a:r>
-          </a:p>
-          <a:p>
-            <a:pPr lvl="1"/>
-            <a:r>
-              <a:rPr lang="en-US" smtClean="0"/>
-              <a:t>Second level</a:t>
-            </a:r>
-          </a:p>
-          <a:p>
-            <a:pPr lvl="2"/>
-            <a:r>
-              <a:rPr lang="en-US" smtClean="0"/>
-              <a:t>Third level</a:t>
-            </a:r>
-          </a:p>
-          <a:p>
-            <a:pPr lvl="3"/>
-            <a:r>
-              <a:rPr lang="en-US" smtClean="0"/>
-              <a:t>Fourth level</a:t>
-            </a:r>
-          </a:p>
-          <a:p>
-            <a:pPr lvl="4"/>
-            <a:r>
-              <a:rPr lang="en-US" smtClean="0"/>
-              <a:t>Fifth level</a:t>
-            </a:r>
-            <a:endParaRPr lang="en-US"/>
-          </a:p>
-        </p:txBody>
-      </p:sp>
-      <p:sp>
-        <p:nvSpPr>
           <p:cNvPr id="7" name="Date Placeholder 6"/>
           <p:cNvSpPr>
             <a:spLocks noGrp="1"/>
@@ -1809,7 +1690,7 @@
           <a:p>
             <a:fld id="{14C9F191-5DFD-4C62-B838-AC695C885212}" type="datetimeFigureOut">
               <a:rPr lang="en-US" smtClean="0"/>
-              <a:t>6/7/16</a:t>
+              <a:t>6/14/16</a:t>
             </a:fld>
             <a:endParaRPr lang="en-US"/>
           </a:p>
@@ -1857,10 +1738,33 @@
           </a:p>
         </p:txBody>
       </p:sp>
+      <p:sp>
+        <p:nvSpPr>
+          <p:cNvPr id="10" name="Title 9"/>
+          <p:cNvSpPr>
+            <a:spLocks noGrp="1"/>
+          </p:cNvSpPr>
+          <p:nvPr>
+            <p:ph type="title"/>
+          </p:nvPr>
+        </p:nvSpPr>
+        <p:spPr/>
+        <p:txBody>
+          <a:bodyPr/>
+          <a:lstStyle/>
+          <a:p>
+            <a:r>
+              <a:rPr lang="en-US" smtClean="0"/>
+              <a:t>Click to edit Master title style</a:t>
+            </a:r>
+            <a:endParaRPr lang="en-US" dirty="0"/>
+          </a:p>
+        </p:txBody>
+      </p:sp>
     </p:spTree>
     <p:extLst>
       <p:ext uri="{BB962C8B-B14F-4D97-AF65-F5344CB8AC3E}">
-        <p14:creationId xmlns:p14="http://schemas.microsoft.com/office/powerpoint/2010/main" val="3653290682"/>
+        <p14:creationId xmlns:p14="http://schemas.microsoft.com/office/powerpoint/2010/main" val="885166113"/>
       </p:ext>
     </p:extLst>
   </p:cSld>
@@ -1906,7 +1810,7 @@
               <a:rPr lang="en-US" smtClean="0"/>
               <a:t>Click to edit Master title style</a:t>
             </a:r>
-            <a:endParaRPr lang="en-US"/>
+            <a:endParaRPr lang="en-US" dirty="0"/>
           </a:p>
         </p:txBody>
       </p:sp>
@@ -1927,7 +1831,7 @@
           <a:p>
             <a:fld id="{14C9F191-5DFD-4C62-B838-AC695C885212}" type="datetimeFigureOut">
               <a:rPr lang="en-US" smtClean="0"/>
-              <a:t>6/7/16</a:t>
+              <a:t>6/14/16</a:t>
             </a:fld>
             <a:endParaRPr lang="en-US"/>
           </a:p>
@@ -1978,7 +1882,7 @@
     </p:spTree>
     <p:extLst>
       <p:ext uri="{BB962C8B-B14F-4D97-AF65-F5344CB8AC3E}">
-        <p14:creationId xmlns:p14="http://schemas.microsoft.com/office/powerpoint/2010/main" val="3839312200"/>
+        <p14:creationId xmlns:p14="http://schemas.microsoft.com/office/powerpoint/2010/main" val="1367638422"/>
       </p:ext>
     </p:extLst>
   </p:cSld>
@@ -2022,7 +1926,7 @@
           <a:p>
             <a:fld id="{14C9F191-5DFD-4C62-B838-AC695C885212}" type="datetimeFigureOut">
               <a:rPr lang="en-US" smtClean="0"/>
-              <a:t>6/7/16</a:t>
+              <a:t>6/14/16</a:t>
             </a:fld>
             <a:endParaRPr lang="en-US"/>
           </a:p>
@@ -2073,7 +1977,7 @@
     </p:spTree>
     <p:extLst>
       <p:ext uri="{BB962C8B-B14F-4D97-AF65-F5344CB8AC3E}">
-        <p14:creationId xmlns:p14="http://schemas.microsoft.com/office/powerpoint/2010/main" val="834047882"/>
+        <p14:creationId xmlns:p14="http://schemas.microsoft.com/office/powerpoint/2010/main" val="1381484713"/>
       </p:ext>
     </p:extLst>
   </p:cSld>
@@ -2086,6 +1990,11 @@
 <file path=ppt/slideLayouts/slideLayout8.xml><?xml version="1.0" encoding="utf-8"?>
 <p:sldLayout xmlns:a="http://schemas.openxmlformats.org/drawingml/2006/main" xmlns:r="http://schemas.openxmlformats.org/officeDocument/2006/relationships" xmlns:p="http://schemas.openxmlformats.org/presentationml/2006/main" type="objTx" preserve="1">
   <p:cSld name="Content with Caption">
+    <p:bg>
+      <p:bgRef idx="1001">
+        <a:schemeClr val="bg2"/>
+      </p:bgRef>
+    </p:bg>
     <p:spTree>
       <p:nvGrpSpPr>
         <p:cNvPr id="1" name=""/>
@@ -2102,6 +2011,44 @@
       </p:grpSpPr>
       <p:sp>
         <p:nvSpPr>
+          <p:cNvPr id="26" name="Rectangle 25"/>
+          <p:cNvSpPr/>
+          <p:nvPr/>
+        </p:nvSpPr>
+        <p:spPr>
+          <a:xfrm>
+            <a:off x="0" y="0"/>
+            <a:ext cx="4572000" cy="6858000"/>
+          </a:xfrm>
+          <a:prstGeom prst="rect">
+            <a:avLst/>
+          </a:prstGeom>
+          <a:solidFill>
+            <a:schemeClr val="accent2"/>
+          </a:solidFill>
+          <a:ln>
+            <a:noFill/>
+          </a:ln>
+        </p:spPr>
+        <p:style>
+          <a:lnRef idx="2">
+            <a:schemeClr val="accent1">
+              <a:shade val="50000"/>
+            </a:schemeClr>
+          </a:lnRef>
+          <a:fillRef idx="1">
+            <a:schemeClr val="accent1"/>
+          </a:fillRef>
+          <a:effectRef idx="0">
+            <a:schemeClr val="accent1"/>
+          </a:effectRef>
+          <a:fontRef idx="minor">
+            <a:schemeClr val="lt1"/>
+          </a:fontRef>
+        </p:style>
+      </p:sp>
+      <p:sp>
+        <p:nvSpPr>
           <p:cNvPr id="2" name="Title 1"/>
           <p:cNvSpPr>
             <a:spLocks noGrp="1"/>
@@ -2110,17 +2057,31 @@
             <p:ph type="title"/>
           </p:nvPr>
         </p:nvSpPr>
-        <p:spPr>
-          <a:xfrm>
-            <a:off x="457200" y="273050"/>
-            <a:ext cx="3008313" cy="1162050"/>
-          </a:xfrm>
-        </p:spPr>
-        <p:txBody>
-          <a:bodyPr anchor="b"/>
+        <p:spPr bwMode="blackWhite">
+          <a:xfrm>
+            <a:off x="640703" y="2243829"/>
+            <a:ext cx="3290594" cy="1141497"/>
+          </a:xfrm>
+          <a:solidFill>
+            <a:srgbClr val="FFFFFF"/>
+          </a:solidFill>
+          <a:ln>
+            <a:solidFill>
+              <a:srgbClr val="404040"/>
+            </a:solidFill>
+          </a:ln>
+        </p:spPr>
+        <p:txBody>
+          <a:bodyPr anchor="ctr" anchorCtr="1">
+            <a:normAutofit/>
+          </a:bodyPr>
           <a:lstStyle>
-            <a:lvl1pPr algn="l">
-              <a:defRPr sz="2000" b="1"/>
+            <a:lvl1pPr>
+              <a:defRPr sz="2100">
+                <a:solidFill>
+                  <a:srgbClr val="262626"/>
+                </a:solidFill>
+              </a:defRPr>
             </a:lvl1pPr>
           </a:lstStyle>
           <a:p>
@@ -2128,7 +2089,7 @@
               <a:rPr lang="en-US" smtClean="0"/>
               <a:t>Click to edit Master title style</a:t>
             </a:r>
-            <a:endParaRPr lang="en-US"/>
+            <a:endParaRPr lang="en-US" dirty="0"/>
           </a:p>
         </p:txBody>
       </p:sp>
@@ -2144,39 +2105,61 @@
         </p:nvSpPr>
         <p:spPr>
           <a:xfrm>
-            <a:off x="3575050" y="273050"/>
-            <a:ext cx="5111750" cy="5853113"/>
-          </a:xfrm>
-        </p:spPr>
-        <p:txBody>
-          <a:bodyPr/>
+            <a:off x="5052060" y="804672"/>
+            <a:ext cx="3611880" cy="5248656"/>
+          </a:xfrm>
+        </p:spPr>
+        <p:txBody>
+          <a:bodyPr>
+            <a:normAutofit/>
+          </a:bodyPr>
           <a:lstStyle>
             <a:lvl1pPr>
-              <a:defRPr sz="3200"/>
+              <a:defRPr sz="1900">
+                <a:solidFill>
+                  <a:schemeClr val="tx1"/>
+                </a:solidFill>
+              </a:defRPr>
             </a:lvl1pPr>
             <a:lvl2pPr>
-              <a:defRPr sz="2800"/>
+              <a:defRPr sz="1600">
+                <a:solidFill>
+                  <a:schemeClr val="tx1"/>
+                </a:solidFill>
+              </a:defRPr>
             </a:lvl2pPr>
             <a:lvl3pPr>
-              <a:defRPr sz="2400"/>
+              <a:defRPr sz="1600">
+                <a:solidFill>
+                  <a:schemeClr val="tx1"/>
+                </a:solidFill>
+              </a:defRPr>
             </a:lvl3pPr>
             <a:lvl4pPr>
-              <a:defRPr sz="2000"/>
+              <a:defRPr sz="1600">
+                <a:solidFill>
+                  <a:schemeClr val="tx1"/>
+                </a:solidFill>
+              </a:defRPr>
             </a:lvl4pPr>
             <a:lvl5pPr>
-              <a:defRPr sz="2000"/>
+              <a:defRPr sz="1600">
+                <a:solidFill>
+                  <a:schemeClr val="tx1"/>
+                </a:solidFill>
+              </a:defRPr>
             </a:lvl5pPr>
             <a:lvl6pPr>
-              <a:defRPr sz="2000"/>
+              <a:defRPr sz="1600"/>
             </a:lvl6pPr>
             <a:lvl7pPr>
-              <a:defRPr sz="2000"/>
+              <a:defRPr sz="1600"/>
             </a:lvl7pPr>
             <a:lvl8pPr>
-              <a:defRPr sz="2000"/>
+              <a:defRPr sz="1600"/>
             </a:lvl8pPr>
             <a:lvl9pPr>
-              <a:defRPr sz="2000"/>
+              <a:defRPr sz="1600"/>
             </a:lvl9pPr>
           </a:lstStyle>
           <a:p>
@@ -2213,7 +2196,7 @@
               <a:rPr lang="en-US" smtClean="0"/>
               <a:t>Fifth level</a:t>
             </a:r>
-            <a:endParaRPr lang="en-US"/>
+            <a:endParaRPr lang="en-US" dirty="0"/>
           </a:p>
         </p:txBody>
       </p:sp>
@@ -2229,48 +2212,54 @@
         </p:nvSpPr>
         <p:spPr>
           <a:xfrm>
-            <a:off x="457200" y="1435100"/>
-            <a:ext cx="3008313" cy="4691063"/>
-          </a:xfrm>
-        </p:spPr>
-        <p:txBody>
-          <a:bodyPr/>
+            <a:off x="862965" y="3549918"/>
+            <a:ext cx="2846070" cy="2194036"/>
+          </a:xfrm>
+        </p:spPr>
+        <p:txBody>
+          <a:bodyPr anchor="t" anchorCtr="1">
+            <a:normAutofit/>
+          </a:bodyPr>
           <a:lstStyle>
-            <a:lvl1pPr marL="0" indent="0">
+            <a:lvl1pPr marL="0" indent="0" algn="ctr">
               <a:buNone/>
-              <a:defRPr sz="1400"/>
+              <a:defRPr sz="1500">
+                <a:solidFill>
+                  <a:srgbClr val="FFFFFF"/>
+                </a:solidFill>
+              </a:defRPr>
             </a:lvl1pPr>
             <a:lvl2pPr marL="457200" indent="0">
               <a:buNone/>
-              <a:defRPr sz="1200"/>
+              <a:defRPr sz="1400"/>
             </a:lvl2pPr>
             <a:lvl3pPr marL="914400" indent="0">
               <a:buNone/>
-              <a:defRPr sz="1000"/>
+              <a:defRPr sz="1200"/>
             </a:lvl3pPr>
             <a:lvl4pPr marL="1371600" indent="0">
               <a:buNone/>
-              <a:defRPr sz="900"/>
+              <a:defRPr sz="1000"/>
             </a:lvl4pPr>
             <a:lvl5pPr marL="1828800" indent="0">
               <a:buNone/>
-              <a:defRPr sz="900"/>
+              <a:defRPr sz="1000"/>
             </a:lvl5pPr>
             <a:lvl6pPr marL="2286000" indent="0">
               <a:buNone/>
-              <a:defRPr sz="900"/>
+              <a:defRPr sz="1000"/>
             </a:lvl6pPr>
             <a:lvl7pPr marL="2743200" indent="0">
               <a:buNone/>
-              <a:defRPr sz="900"/>
+              <a:defRPr sz="1000"/>
             </a:lvl7pPr>
             <a:lvl8pPr marL="3200400" indent="0">
               <a:buNone/>
-              <a:defRPr sz="900"/>
+              <a:defRPr sz="1000"/>
             </a:lvl8pPr>
             <a:lvl9pPr marL="3657600" indent="0">
               <a:buNone/>
-              <a:defRPr sz="900"/>
+              <a:defRPr sz="1000"/>
             </a:lvl9pPr>
           </a:lstStyle>
           <a:p>
@@ -2284,7 +2273,7 @@
       </p:sp>
       <p:sp>
         <p:nvSpPr>
-          <p:cNvPr id="5" name="Date Placeholder 4"/>
+          <p:cNvPr id="9" name="Date Placeholder 8"/>
           <p:cNvSpPr>
             <a:spLocks noGrp="1"/>
           </p:cNvSpPr>
@@ -2299,7 +2288,7 @@
           <a:p>
             <a:fld id="{14C9F191-5DFD-4C62-B838-AC695C885212}" type="datetimeFigureOut">
               <a:rPr lang="en-US" smtClean="0"/>
-              <a:t>6/7/16</a:t>
+              <a:t>6/14/16</a:t>
             </a:fld>
             <a:endParaRPr lang="en-US"/>
           </a:p>
@@ -2307,7 +2296,7 @@
       </p:sp>
       <p:sp>
         <p:nvSpPr>
-          <p:cNvPr id="6" name="Footer Placeholder 5"/>
+          <p:cNvPr id="10" name="Footer Placeholder 9"/>
           <p:cNvSpPr>
             <a:spLocks noGrp="1"/>
           </p:cNvSpPr>
@@ -2315,10 +2304,27 @@
             <p:ph type="ftr" sz="quarter" idx="11"/>
           </p:nvPr>
         </p:nvSpPr>
-        <p:spPr/>
-        <p:txBody>
-          <a:bodyPr/>
-          <a:lstStyle/>
+        <p:spPr>
+          <a:xfrm>
+            <a:off x="640703" y="6236208"/>
+            <a:ext cx="3806398" cy="320040"/>
+          </a:xfrm>
+        </p:spPr>
+        <p:txBody>
+          <a:bodyPr>
+            <a:normAutofit/>
+          </a:bodyPr>
+          <a:lstStyle>
+            <a:lvl1pPr>
+              <a:defRPr>
+                <a:solidFill>
+                  <a:srgbClr val="FFFFFF">
+                    <a:alpha val="70000"/>
+                  </a:srgbClr>
+                </a:solidFill>
+              </a:defRPr>
+            </a:lvl1pPr>
+          </a:lstStyle>
           <a:p>
             <a:endParaRPr lang="en-US"/>
           </a:p>
@@ -2326,7 +2332,7 @@
       </p:sp>
       <p:sp>
         <p:nvSpPr>
-          <p:cNvPr id="7" name="Slide Number Placeholder 6"/>
+          <p:cNvPr id="11" name="Slide Number Placeholder 10"/>
           <p:cNvSpPr>
             <a:spLocks noGrp="1"/>
           </p:cNvSpPr>
@@ -2350,12 +2356,12 @@
     </p:spTree>
     <p:extLst>
       <p:ext uri="{BB962C8B-B14F-4D97-AF65-F5344CB8AC3E}">
-        <p14:creationId xmlns:p14="http://schemas.microsoft.com/office/powerpoint/2010/main" val="1020854033"/>
+        <p14:creationId xmlns:p14="http://schemas.microsoft.com/office/powerpoint/2010/main" val="20380027"/>
       </p:ext>
     </p:extLst>
   </p:cSld>
   <p:clrMapOvr>
-    <a:masterClrMapping/>
+    <a:overrideClrMapping bg1="dk1" tx1="lt1" bg2="dk2" tx2="lt2" accent1="accent1" accent2="accent2" accent3="accent3" accent4="accent4" accent5="accent5" accent6="accent6" hlink="hlink" folHlink="folHlink"/>
   </p:clrMapOvr>
 </p:sldLayout>
 </file>
@@ -2363,6 +2369,11 @@
 <file path=ppt/slideLayouts/slideLayout9.xml><?xml version="1.0" encoding="utf-8"?>
 <p:sldLayout xmlns:a="http://schemas.openxmlformats.org/drawingml/2006/main" xmlns:r="http://schemas.openxmlformats.org/officeDocument/2006/relationships" xmlns:p="http://schemas.openxmlformats.org/presentationml/2006/main" type="picTx" preserve="1">
   <p:cSld name="Picture with Caption">
+    <p:bg>
+      <p:bgRef idx="1001">
+        <a:schemeClr val="bg2"/>
+      </p:bgRef>
+    </p:bg>
     <p:spTree>
       <p:nvGrpSpPr>
         <p:cNvPr id="1" name=""/>
@@ -2379,6 +2390,44 @@
       </p:grpSpPr>
       <p:sp>
         <p:nvSpPr>
+          <p:cNvPr id="18" name="Rectangle 17"/>
+          <p:cNvSpPr/>
+          <p:nvPr/>
+        </p:nvSpPr>
+        <p:spPr>
+          <a:xfrm>
+            <a:off x="1" y="0"/>
+            <a:ext cx="4571999" cy="6858000"/>
+          </a:xfrm>
+          <a:prstGeom prst="rect">
+            <a:avLst/>
+          </a:prstGeom>
+          <a:solidFill>
+            <a:schemeClr val="accent2"/>
+          </a:solidFill>
+          <a:ln>
+            <a:noFill/>
+          </a:ln>
+        </p:spPr>
+        <p:style>
+          <a:lnRef idx="2">
+            <a:schemeClr val="accent1">
+              <a:shade val="50000"/>
+            </a:schemeClr>
+          </a:lnRef>
+          <a:fillRef idx="1">
+            <a:schemeClr val="accent1"/>
+          </a:fillRef>
+          <a:effectRef idx="0">
+            <a:schemeClr val="accent1"/>
+          </a:effectRef>
+          <a:fontRef idx="minor">
+            <a:schemeClr val="lt1"/>
+          </a:fontRef>
+        </p:style>
+      </p:sp>
+      <p:sp>
+        <p:nvSpPr>
           <p:cNvPr id="2" name="Title 1"/>
           <p:cNvSpPr>
             <a:spLocks noGrp="1"/>
@@ -2387,17 +2436,31 @@
             <p:ph type="title"/>
           </p:nvPr>
         </p:nvSpPr>
-        <p:spPr>
-          <a:xfrm>
-            <a:off x="1792288" y="4800600"/>
-            <a:ext cx="5486400" cy="566738"/>
-          </a:xfrm>
-        </p:spPr>
-        <p:txBody>
-          <a:bodyPr anchor="b"/>
+        <p:spPr bwMode="blackWhite">
+          <a:xfrm>
+            <a:off x="640080" y="2243828"/>
+            <a:ext cx="3291840" cy="1143000"/>
+          </a:xfrm>
+          <a:solidFill>
+            <a:srgbClr val="FFFFFF"/>
+          </a:solidFill>
+          <a:ln>
+            <a:solidFill>
+              <a:srgbClr val="262626"/>
+            </a:solidFill>
+          </a:ln>
+        </p:spPr>
+        <p:txBody>
+          <a:bodyPr anchor="ctr" anchorCtr="1">
+            <a:noAutofit/>
+          </a:bodyPr>
           <a:lstStyle>
-            <a:lvl1pPr algn="l">
-              <a:defRPr sz="2000" b="1"/>
+            <a:lvl1pPr>
+              <a:defRPr sz="2100">
+                <a:solidFill>
+                  <a:srgbClr val="262626"/>
+                </a:solidFill>
+              </a:defRPr>
             </a:lvl1pPr>
           </a:lstStyle>
           <a:p>
@@ -2405,7 +2468,7 @@
               <a:rPr lang="en-US" smtClean="0"/>
               <a:t>Click to edit Master title style</a:t>
             </a:r>
-            <a:endParaRPr lang="en-US"/>
+            <a:endParaRPr lang="en-US" dirty="0"/>
           </a:p>
         </p:txBody>
       </p:sp>
@@ -2413,7 +2476,7 @@
         <p:nvSpPr>
           <p:cNvPr id="3" name="Picture Placeholder 2"/>
           <p:cNvSpPr>
-            <a:spLocks noGrp="1"/>
+            <a:spLocks noGrp="1" noChangeAspect="1"/>
           </p:cNvSpPr>
           <p:nvPr>
             <p:ph type="pic" idx="1"/>
@@ -2421,16 +2484,26 @@
         </p:nvSpPr>
         <p:spPr>
           <a:xfrm>
-            <a:off x="1792288" y="612775"/>
-            <a:ext cx="5486400" cy="4114800"/>
-          </a:xfrm>
-        </p:spPr>
-        <p:txBody>
-          <a:bodyPr/>
+            <a:off x="4572000" y="0"/>
+            <a:ext cx="4576573" cy="6858000"/>
+          </a:xfrm>
+          <a:solidFill>
+            <a:schemeClr val="tx1"/>
+          </a:solidFill>
+        </p:spPr>
+        <p:txBody>
+          <a:bodyPr anchor="t"/>
           <a:lstStyle>
             <a:lvl1pPr marL="0" indent="0">
               <a:buNone/>
-              <a:defRPr sz="3200"/>
+              <a:defRPr sz="3200">
+                <a:solidFill>
+                  <a:schemeClr val="bg1">
+                    <a:lumMod val="85000"/>
+                    <a:lumOff val="15000"/>
+                  </a:schemeClr>
+                </a:solidFill>
+              </a:defRPr>
             </a:lvl1pPr>
             <a:lvl2pPr marL="457200" indent="0">
               <a:buNone/>
@@ -2466,7 +2539,11 @@
             </a:lvl9pPr>
           </a:lstStyle>
           <a:p>
-            <a:endParaRPr lang="en-US"/>
+            <a:r>
+              <a:rPr lang="en-US" smtClean="0"/>
+              <a:t>Drag picture to placeholder or click icon to add</a:t>
+            </a:r>
+            <a:endParaRPr lang="en-US" dirty="0"/>
           </a:p>
         </p:txBody>
       </p:sp>
@@ -2482,48 +2559,54 @@
         </p:nvSpPr>
         <p:spPr>
           <a:xfrm>
-            <a:off x="1792288" y="5367338"/>
-            <a:ext cx="5486400" cy="804862"/>
-          </a:xfrm>
-        </p:spPr>
-        <p:txBody>
-          <a:bodyPr/>
+            <a:off x="862965" y="3549919"/>
+            <a:ext cx="2846070" cy="2194037"/>
+          </a:xfrm>
+        </p:spPr>
+        <p:txBody>
+          <a:bodyPr anchor="t" anchorCtr="1">
+            <a:normAutofit/>
+          </a:bodyPr>
           <a:lstStyle>
-            <a:lvl1pPr marL="0" indent="0">
+            <a:lvl1pPr marL="0" indent="0" algn="ctr">
               <a:buNone/>
-              <a:defRPr sz="1400"/>
+              <a:defRPr sz="1500">
+                <a:solidFill>
+                  <a:srgbClr val="FFFFFF"/>
+                </a:solidFill>
+              </a:defRPr>
             </a:lvl1pPr>
             <a:lvl2pPr marL="457200" indent="0">
               <a:buNone/>
-              <a:defRPr sz="1200"/>
+              <a:defRPr sz="1400"/>
             </a:lvl2pPr>
             <a:lvl3pPr marL="914400" indent="0">
               <a:buNone/>
-              <a:defRPr sz="1000"/>
+              <a:defRPr sz="1200"/>
             </a:lvl3pPr>
             <a:lvl4pPr marL="1371600" indent="0">
               <a:buNone/>
-              <a:defRPr sz="900"/>
+              <a:defRPr sz="1000"/>
             </a:lvl4pPr>
             <a:lvl5pPr marL="1828800" indent="0">
               <a:buNone/>
-              <a:defRPr sz="900"/>
+              <a:defRPr sz="1000"/>
             </a:lvl5pPr>
             <a:lvl6pPr marL="2286000" indent="0">
               <a:buNone/>
-              <a:defRPr sz="900"/>
+              <a:defRPr sz="1000"/>
             </a:lvl6pPr>
             <a:lvl7pPr marL="2743200" indent="0">
               <a:buNone/>
-              <a:defRPr sz="900"/>
+              <a:defRPr sz="1000"/>
             </a:lvl7pPr>
             <a:lvl8pPr marL="3200400" indent="0">
               <a:buNone/>
-              <a:defRPr sz="900"/>
+              <a:defRPr sz="1000"/>
             </a:lvl8pPr>
             <a:lvl9pPr marL="3657600" indent="0">
               <a:buNone/>
-              <a:defRPr sz="900"/>
+              <a:defRPr sz="1000"/>
             </a:lvl9pPr>
           </a:lstStyle>
           <a:p>
@@ -2537,7 +2620,7 @@
       </p:sp>
       <p:sp>
         <p:nvSpPr>
-          <p:cNvPr id="5" name="Date Placeholder 4"/>
+          <p:cNvPr id="8" name="Date Placeholder 7"/>
           <p:cNvSpPr>
             <a:spLocks noGrp="1"/>
           </p:cNvSpPr>
@@ -2548,11 +2631,26 @@
         <p:spPr/>
         <p:txBody>
           <a:bodyPr/>
-          <a:lstStyle/>
+          <a:lstStyle>
+            <a:lvl1pPr>
+              <a:defRPr>
+                <a:solidFill>
+                  <a:srgbClr val="FFFFFF"/>
+                </a:solidFill>
+                <a:effectLst>
+                  <a:outerShdw blurRad="50800" dist="38100" dir="2700000" algn="tl" rotWithShape="0">
+                    <a:prstClr val="black">
+                      <a:alpha val="43000"/>
+                    </a:prstClr>
+                  </a:outerShdw>
+                </a:effectLst>
+              </a:defRPr>
+            </a:lvl1pPr>
+          </a:lstStyle>
           <a:p>
             <a:fld id="{14C9F191-5DFD-4C62-B838-AC695C885212}" type="datetimeFigureOut">
               <a:rPr lang="en-US" smtClean="0"/>
-              <a:t>6/7/16</a:t>
+              <a:t>6/14/16</a:t>
             </a:fld>
             <a:endParaRPr lang="en-US"/>
           </a:p>
@@ -2560,7 +2658,7 @@
       </p:sp>
       <p:sp>
         <p:nvSpPr>
-          <p:cNvPr id="6" name="Footer Placeholder 5"/>
+          <p:cNvPr id="9" name="Footer Placeholder 8"/>
           <p:cNvSpPr>
             <a:spLocks noGrp="1"/>
           </p:cNvSpPr>
@@ -2568,10 +2666,27 @@
             <p:ph type="ftr" sz="quarter" idx="11"/>
           </p:nvPr>
         </p:nvSpPr>
-        <p:spPr/>
-        <p:txBody>
-          <a:bodyPr/>
-          <a:lstStyle/>
+        <p:spPr>
+          <a:xfrm>
+            <a:off x="640080" y="6236208"/>
+            <a:ext cx="3803904" cy="320040"/>
+          </a:xfrm>
+        </p:spPr>
+        <p:txBody>
+          <a:bodyPr>
+            <a:normAutofit/>
+          </a:bodyPr>
+          <a:lstStyle>
+            <a:lvl1pPr>
+              <a:defRPr>
+                <a:solidFill>
+                  <a:srgbClr val="FFFFFF">
+                    <a:alpha val="70000"/>
+                  </a:srgbClr>
+                </a:solidFill>
+              </a:defRPr>
+            </a:lvl1pPr>
+          </a:lstStyle>
           <a:p>
             <a:endParaRPr lang="en-US"/>
           </a:p>
@@ -2579,7 +2694,7 @@
       </p:sp>
       <p:sp>
         <p:nvSpPr>
-          <p:cNvPr id="7" name="Slide Number Placeholder 6"/>
+          <p:cNvPr id="10" name="Slide Number Placeholder 9"/>
           <p:cNvSpPr>
             <a:spLocks noGrp="1"/>
           </p:cNvSpPr>
@@ -2603,12 +2718,12 @@
     </p:spTree>
     <p:extLst>
       <p:ext uri="{BB962C8B-B14F-4D97-AF65-F5344CB8AC3E}">
-        <p14:creationId xmlns:p14="http://schemas.microsoft.com/office/powerpoint/2010/main" val="4012735826"/>
+        <p14:creationId xmlns:p14="http://schemas.microsoft.com/office/powerpoint/2010/main" val="1077213916"/>
       </p:ext>
     </p:extLst>
   </p:cSld>
   <p:clrMapOvr>
-    <a:masterClrMapping/>
+    <a:overrideClrMapping bg1="dk1" tx1="lt1" bg2="dk2" tx2="lt2" accent1="accent1" accent2="accent2" accent3="accent3" accent4="accent4" accent5="accent5" accent6="accent6" hlink="hlink" folHlink="folHlink"/>
   </p:clrMapOvr>
 </p:sldLayout>
 </file>
@@ -2618,7 +2733,7 @@
   <p:cSld>
     <p:bg>
       <p:bgRef idx="1001">
-        <a:schemeClr val="bg1"/>
+        <a:schemeClr val="bg2"/>
       </p:bgRef>
     </p:bg>
     <p:spTree>
@@ -2645,17 +2760,33 @@
             <p:ph type="title"/>
           </p:nvPr>
         </p:nvSpPr>
-        <p:spPr>
-          <a:xfrm>
-            <a:off x="457200" y="274638"/>
-            <a:ext cx="8229600" cy="1143000"/>
+        <p:spPr bwMode="black">
+          <a:xfrm>
+            <a:off x="1606045" y="964692"/>
+            <a:ext cx="5937755" cy="1188720"/>
           </a:xfrm>
           <a:prstGeom prst="rect">
             <a:avLst/>
           </a:prstGeom>
-        </p:spPr>
-        <p:txBody>
-          <a:bodyPr vert="horz" lIns="91440" tIns="45720" rIns="91440" bIns="45720" rtlCol="0" anchor="ctr">
+          <a:solidFill>
+            <a:schemeClr val="bg2">
+              <a:lumMod val="60000"/>
+              <a:lumOff val="40000"/>
+              <a:alpha val="15000"/>
+            </a:schemeClr>
+          </a:solidFill>
+          <a:ln w="31750" cap="sq">
+            <a:solidFill>
+              <a:schemeClr val="tx1">
+                <a:lumMod val="75000"/>
+                <a:lumOff val="25000"/>
+              </a:schemeClr>
+            </a:solidFill>
+            <a:miter lim="800000"/>
+          </a:ln>
+        </p:spPr>
+        <p:txBody>
+          <a:bodyPr vert="horz" lIns="182880" tIns="182880" rIns="182880" bIns="182880" rtlCol="0" anchor="ctr">
             <a:normAutofit/>
           </a:bodyPr>
           <a:lstStyle/>
@@ -2664,7 +2795,7 @@
               <a:rPr lang="en-US" smtClean="0"/>
               <a:t>Click to edit Master title style</a:t>
             </a:r>
-            <a:endParaRPr lang="en-US"/>
+            <a:endParaRPr lang="en-US" dirty="0"/>
           </a:p>
         </p:txBody>
       </p:sp>
@@ -2680,8 +2811,8 @@
         </p:nvSpPr>
         <p:spPr>
           <a:xfrm>
-            <a:off x="457200" y="1600200"/>
-            <a:ext cx="8229600" cy="4525963"/>
+            <a:off x="1606045" y="2638045"/>
+            <a:ext cx="5937755" cy="3101983"/>
           </a:xfrm>
           <a:prstGeom prst="rect">
             <a:avLst/>
@@ -2695,38 +2826,37 @@
           <a:p>
             <a:pPr lvl="0"/>
             <a:r>
-              <a:rPr lang="en-US" smtClean="0"/>
-              <a:t>Click to edit Master text styles</a:t>
+              <a:rPr lang="en-US" dirty="0"/>
+              <a:t>Edit Master text styles</a:t>
             </a:r>
           </a:p>
           <a:p>
             <a:pPr lvl="1"/>
             <a:r>
-              <a:rPr lang="en-US" smtClean="0"/>
+              <a:rPr lang="en-US" dirty="0"/>
               <a:t>Second level</a:t>
             </a:r>
           </a:p>
           <a:p>
             <a:pPr lvl="2"/>
             <a:r>
-              <a:rPr lang="en-US" smtClean="0"/>
+              <a:rPr lang="en-US" dirty="0"/>
               <a:t>Third level</a:t>
             </a:r>
           </a:p>
           <a:p>
             <a:pPr lvl="3"/>
             <a:r>
-              <a:rPr lang="en-US" smtClean="0"/>
+              <a:rPr lang="en-US" dirty="0"/>
               <a:t>Fourth level</a:t>
             </a:r>
           </a:p>
           <a:p>
             <a:pPr lvl="4"/>
             <a:r>
-              <a:rPr lang="en-US" smtClean="0"/>
+              <a:rPr lang="en-US" dirty="0"/>
               <a:t>Fifth level</a:t>
             </a:r>
-            <a:endParaRPr lang="en-US"/>
           </a:p>
         </p:txBody>
       </p:sp>
@@ -2742,8 +2872,8 @@
         </p:nvSpPr>
         <p:spPr>
           <a:xfrm>
-            <a:off x="457200" y="6356350"/>
-            <a:ext cx="2133600" cy="365125"/>
+            <a:off x="5978943" y="6238816"/>
+            <a:ext cx="2065310" cy="323968"/>
           </a:xfrm>
           <a:prstGeom prst="rect">
             <a:avLst/>
@@ -2752,11 +2882,11 @@
         <p:txBody>
           <a:bodyPr vert="horz" lIns="91440" tIns="45720" rIns="91440" bIns="45720" rtlCol="0" anchor="ctr"/>
           <a:lstStyle>
-            <a:lvl1pPr algn="l">
-              <a:defRPr sz="1200">
+            <a:lvl1pPr algn="r">
+              <a:defRPr sz="1000">
                 <a:solidFill>
                   <a:schemeClr val="tx1">
-                    <a:tint val="75000"/>
+                    <a:alpha val="70000"/>
                   </a:schemeClr>
                 </a:solidFill>
               </a:defRPr>
@@ -2765,7 +2895,7 @@
           <a:p>
             <a:fld id="{14C9F191-5DFD-4C62-B838-AC695C885212}" type="datetimeFigureOut">
               <a:rPr lang="en-US" smtClean="0"/>
-              <a:t>6/7/16</a:t>
+              <a:t>6/14/16</a:t>
             </a:fld>
             <a:endParaRPr lang="en-US"/>
           </a:p>
@@ -2783,8 +2913,8 @@
         </p:nvSpPr>
         <p:spPr>
           <a:xfrm>
-            <a:off x="3124200" y="6356350"/>
-            <a:ext cx="2895600" cy="365125"/>
+            <a:off x="1102239" y="6236208"/>
+            <a:ext cx="4556664" cy="320040"/>
           </a:xfrm>
           <a:prstGeom prst="rect">
             <a:avLst/>
@@ -2793,11 +2923,11 @@
         <p:txBody>
           <a:bodyPr vert="horz" lIns="91440" tIns="45720" rIns="91440" bIns="45720" rtlCol="0" anchor="ctr"/>
           <a:lstStyle>
-            <a:lvl1pPr algn="ctr">
-              <a:defRPr sz="1200">
+            <a:lvl1pPr algn="l">
+              <a:defRPr sz="1000">
                 <a:solidFill>
                   <a:schemeClr val="tx1">
-                    <a:tint val="75000"/>
+                    <a:alpha val="70000"/>
                   </a:schemeClr>
                 </a:solidFill>
               </a:defRPr>
@@ -2820,22 +2950,27 @@
         </p:nvSpPr>
         <p:spPr>
           <a:xfrm>
-            <a:off x="6553200" y="6356350"/>
-            <a:ext cx="2133600" cy="365125"/>
-          </a:xfrm>
-          <a:prstGeom prst="rect">
-            <a:avLst/>
-          </a:prstGeom>
-        </p:spPr>
-        <p:txBody>
-          <a:bodyPr vert="horz" lIns="91440" tIns="45720" rIns="91440" bIns="45720" rtlCol="0" anchor="ctr"/>
+            <a:off x="8240112" y="6217920"/>
+            <a:ext cx="365760" cy="365760"/>
+          </a:xfrm>
+          <a:prstGeom prst="ellipse">
+            <a:avLst/>
+          </a:prstGeom>
+          <a:solidFill>
+            <a:srgbClr val="1D1D1D">
+              <a:alpha val="69804"/>
+            </a:srgbClr>
+          </a:solidFill>
+        </p:spPr>
+        <p:txBody>
+          <a:bodyPr vert="horz" lIns="18288" tIns="45720" rIns="18288" bIns="45720" rtlCol="0" anchor="ctr">
+            <a:noAutofit/>
+          </a:bodyPr>
           <a:lstStyle>
-            <a:lvl1pPr algn="r">
-              <a:defRPr sz="1200">
+            <a:lvl1pPr algn="ctr">
+              <a:defRPr sz="1100" spc="0" baseline="0">
                 <a:solidFill>
-                  <a:schemeClr val="tx1">
-                    <a:tint val="75000"/>
-                  </a:schemeClr>
+                  <a:srgbClr val="FFFFFF"/>
                 </a:solidFill>
               </a:defRPr>
             </a:lvl1pPr>
@@ -2852,34 +2987,40 @@
     </p:spTree>
     <p:extLst>
       <p:ext uri="{BB962C8B-B14F-4D97-AF65-F5344CB8AC3E}">
-        <p14:creationId xmlns:p14="http://schemas.microsoft.com/office/powerpoint/2010/main" val="2928191766"/>
+        <p14:creationId xmlns:p14="http://schemas.microsoft.com/office/powerpoint/2010/main" val="1691851184"/>
       </p:ext>
     </p:extLst>
   </p:cSld>
-  <p:clrMap bg1="lt1" tx1="dk1" bg2="lt2" tx2="dk2" accent1="accent1" accent2="accent2" accent3="accent3" accent4="accent4" accent5="accent5" accent6="accent6" hlink="hlink" folHlink="folHlink"/>
+  <p:clrMap bg1="dk1" tx1="lt1" bg2="dk2" tx2="lt2" accent1="accent1" accent2="accent2" accent3="accent3" accent4="accent4" accent5="accent5" accent6="accent6" hlink="hlink" folHlink="folHlink"/>
   <p:sldLayoutIdLst>
-    <p:sldLayoutId id="2147483649" r:id="rId1"/>
-    <p:sldLayoutId id="2147483650" r:id="rId2"/>
-    <p:sldLayoutId id="2147483651" r:id="rId3"/>
-    <p:sldLayoutId id="2147483652" r:id="rId4"/>
-    <p:sldLayoutId id="2147483653" r:id="rId5"/>
-    <p:sldLayoutId id="2147483654" r:id="rId6"/>
-    <p:sldLayoutId id="2147483655" r:id="rId7"/>
-    <p:sldLayoutId id="2147483656" r:id="rId8"/>
-    <p:sldLayoutId id="2147483657" r:id="rId9"/>
-    <p:sldLayoutId id="2147483658" r:id="rId10"/>
-    <p:sldLayoutId id="2147483659" r:id="rId11"/>
+    <p:sldLayoutId id="2147483685" r:id="rId1"/>
+    <p:sldLayoutId id="2147483686" r:id="rId2"/>
+    <p:sldLayoutId id="2147483687" r:id="rId3"/>
+    <p:sldLayoutId id="2147483688" r:id="rId4"/>
+    <p:sldLayoutId id="2147483689" r:id="rId5"/>
+    <p:sldLayoutId id="2147483690" r:id="rId6"/>
+    <p:sldLayoutId id="2147483691" r:id="rId7"/>
+    <p:sldLayoutId id="2147483692" r:id="rId8"/>
+    <p:sldLayoutId id="2147483693" r:id="rId9"/>
+    <p:sldLayoutId id="2147483694" r:id="rId10"/>
+    <p:sldLayoutId id="2147483695" r:id="rId11"/>
   </p:sldLayoutIdLst>
   <p:txStyles>
     <p:titleStyle>
       <a:lvl1pPr algn="ctr" defTabSz="914400" rtl="0" eaLnBrk="1" latinLnBrk="0" hangingPunct="1">
+        <a:lnSpc>
+          <a:spcPct val="90000"/>
+        </a:lnSpc>
         <a:spcBef>
           <a:spcPct val="0"/>
         </a:spcBef>
         <a:buNone/>
-        <a:defRPr sz="4400" kern="1200">
+        <a:defRPr sz="2600" kern="1200" cap="all" spc="200" baseline="0">
           <a:solidFill>
-            <a:schemeClr val="tx1"/>
+            <a:schemeClr val="tx1">
+              <a:lumMod val="85000"/>
+              <a:lumOff val="15000"/>
+            </a:schemeClr>
           </a:solidFill>
           <a:latin typeface="+mj-lt"/>
           <a:ea typeface="+mj-ea"/>
@@ -2888,88 +3029,139 @@
       </a:lvl1pPr>
     </p:titleStyle>
     <p:bodyStyle>
-      <a:lvl1pPr marL="342900" indent="-342900" algn="l" defTabSz="914400" rtl="0" eaLnBrk="1" latinLnBrk="0" hangingPunct="1">
+      <a:lvl1pPr marL="228600" indent="-228600" algn="l" defTabSz="914400" rtl="0" eaLnBrk="1" latinLnBrk="0" hangingPunct="1">
+        <a:lnSpc>
+          <a:spcPct val="100000"/>
+        </a:lnSpc>
         <a:spcBef>
-          <a:spcPct val="20000"/>
+          <a:spcPts val="1000"/>
         </a:spcBef>
+        <a:buClr>
+          <a:schemeClr val="accent2"/>
+        </a:buClr>
         <a:buFont typeface="Arial" panose="020B0604020202020204" pitchFamily="34" charset="0"/>
         <a:buChar char="•"/>
-        <a:defRPr sz="3200" kern="1200">
+        <a:defRPr sz="1800" kern="1200">
           <a:solidFill>
-            <a:schemeClr val="tx1"/>
+            <a:schemeClr val="tx1">
+              <a:lumMod val="85000"/>
+              <a:lumOff val="15000"/>
+            </a:schemeClr>
           </a:solidFill>
           <a:latin typeface="+mn-lt"/>
           <a:ea typeface="+mn-ea"/>
           <a:cs typeface="+mn-cs"/>
         </a:defRPr>
       </a:lvl1pPr>
-      <a:lvl2pPr marL="742950" indent="-285750" algn="l" defTabSz="914400" rtl="0" eaLnBrk="1" latinLnBrk="0" hangingPunct="1">
+      <a:lvl2pPr marL="457200" indent="-228600" algn="l" defTabSz="914400" rtl="0" eaLnBrk="1" latinLnBrk="0" hangingPunct="1">
+        <a:lnSpc>
+          <a:spcPct val="100000"/>
+        </a:lnSpc>
         <a:spcBef>
-          <a:spcPct val="20000"/>
+          <a:spcPts val="1000"/>
         </a:spcBef>
+        <a:buClr>
+          <a:schemeClr val="accent2"/>
+        </a:buClr>
         <a:buFont typeface="Arial" panose="020B0604020202020204" pitchFamily="34" charset="0"/>
-        <a:buChar char="–"/>
-        <a:defRPr sz="2800" kern="1200">
+        <a:buChar char="•"/>
+        <a:defRPr sz="1600" kern="1200">
           <a:solidFill>
-            <a:schemeClr val="tx1"/>
+            <a:schemeClr val="tx1">
+              <a:lumMod val="85000"/>
+              <a:lumOff val="15000"/>
+            </a:schemeClr>
           </a:solidFill>
           <a:latin typeface="+mn-lt"/>
           <a:ea typeface="+mn-ea"/>
           <a:cs typeface="+mn-cs"/>
         </a:defRPr>
       </a:lvl2pPr>
-      <a:lvl3pPr marL="1143000" indent="-228600" algn="l" defTabSz="914400" rtl="0" eaLnBrk="1" latinLnBrk="0" hangingPunct="1">
+      <a:lvl3pPr marL="685800" indent="-228600" algn="l" defTabSz="914400" rtl="0" eaLnBrk="1" latinLnBrk="0" hangingPunct="1">
+        <a:lnSpc>
+          <a:spcPct val="100000"/>
+        </a:lnSpc>
         <a:spcBef>
-          <a:spcPct val="20000"/>
+          <a:spcPts val="1000"/>
         </a:spcBef>
+        <a:buClr>
+          <a:schemeClr val="accent2"/>
+        </a:buClr>
         <a:buFont typeface="Arial" panose="020B0604020202020204" pitchFamily="34" charset="0"/>
         <a:buChar char="•"/>
-        <a:defRPr sz="2400" kern="1200">
+        <a:defRPr sz="1600" kern="1200">
           <a:solidFill>
-            <a:schemeClr val="tx1"/>
+            <a:schemeClr val="tx1">
+              <a:lumMod val="85000"/>
+              <a:lumOff val="15000"/>
+            </a:schemeClr>
           </a:solidFill>
           <a:latin typeface="+mn-lt"/>
           <a:ea typeface="+mn-ea"/>
           <a:cs typeface="+mn-cs"/>
         </a:defRPr>
       </a:lvl3pPr>
-      <a:lvl4pPr marL="1600200" indent="-228600" algn="l" defTabSz="914400" rtl="0" eaLnBrk="1" latinLnBrk="0" hangingPunct="1">
+      <a:lvl4pPr marL="914400" indent="-228600" algn="l" defTabSz="914400" rtl="0" eaLnBrk="1" latinLnBrk="0" hangingPunct="1">
+        <a:lnSpc>
+          <a:spcPct val="100000"/>
+        </a:lnSpc>
         <a:spcBef>
-          <a:spcPct val="20000"/>
+          <a:spcPts val="1000"/>
         </a:spcBef>
+        <a:buClr>
+          <a:schemeClr val="accent2"/>
+        </a:buClr>
         <a:buFont typeface="Arial" panose="020B0604020202020204" pitchFamily="34" charset="0"/>
-        <a:buChar char="–"/>
-        <a:defRPr sz="2000" kern="1200">
+        <a:buChar char="•"/>
+        <a:defRPr sz="1600" kern="1200">
           <a:solidFill>
-            <a:schemeClr val="tx1"/>
+            <a:schemeClr val="tx1">
+              <a:lumMod val="85000"/>
+              <a:lumOff val="15000"/>
+            </a:schemeClr>
           </a:solidFill>
           <a:latin typeface="+mn-lt"/>
           <a:ea typeface="+mn-ea"/>
           <a:cs typeface="+mn-cs"/>
         </a:defRPr>
       </a:lvl4pPr>
-      <a:lvl5pPr marL="2057400" indent="-228600" algn="l" defTabSz="914400" rtl="0" eaLnBrk="1" latinLnBrk="0" hangingPunct="1">
+      <a:lvl5pPr marL="1143000" indent="-228600" algn="l" defTabSz="914400" rtl="0" eaLnBrk="1" latinLnBrk="0" hangingPunct="1">
+        <a:lnSpc>
+          <a:spcPct val="100000"/>
+        </a:lnSpc>
         <a:spcBef>
-          <a:spcPct val="20000"/>
+          <a:spcPts val="1000"/>
         </a:spcBef>
+        <a:buClr>
+          <a:schemeClr val="accent2"/>
+        </a:buClr>
         <a:buFont typeface="Arial" panose="020B0604020202020204" pitchFamily="34" charset="0"/>
-        <a:buChar char="»"/>
-        <a:defRPr sz="2000" kern="1200">
+        <a:buChar char="•"/>
+        <a:defRPr sz="1600" kern="1200">
           <a:solidFill>
-            <a:schemeClr val="tx1"/>
+            <a:schemeClr val="tx1">
+              <a:lumMod val="85000"/>
+              <a:lumOff val="15000"/>
+            </a:schemeClr>
           </a:solidFill>
           <a:latin typeface="+mn-lt"/>
           <a:ea typeface="+mn-ea"/>
           <a:cs typeface="+mn-cs"/>
         </a:defRPr>
       </a:lvl5pPr>
-      <a:lvl6pPr marL="2514600" indent="-228600" algn="l" defTabSz="914400" rtl="0" eaLnBrk="1" latinLnBrk="0" hangingPunct="1">
+      <a:lvl6pPr marL="1314450" indent="-228600" algn="l" defTabSz="914400" rtl="0" eaLnBrk="1" latinLnBrk="0" hangingPunct="1">
+        <a:lnSpc>
+          <a:spcPct val="100000"/>
+        </a:lnSpc>
         <a:spcBef>
-          <a:spcPct val="20000"/>
+          <a:spcPts val="1000"/>
         </a:spcBef>
+        <a:buClr>
+          <a:schemeClr val="accent2"/>
+        </a:buClr>
         <a:buFont typeface="Arial" panose="020B0604020202020204" pitchFamily="34" charset="0"/>
         <a:buChar char="•"/>
-        <a:defRPr sz="2000" kern="1200">
+        <a:defRPr sz="1600" kern="1200">
           <a:solidFill>
             <a:schemeClr val="tx1"/>
           </a:solidFill>
@@ -2978,13 +3170,19 @@
           <a:cs typeface="+mn-cs"/>
         </a:defRPr>
       </a:lvl6pPr>
-      <a:lvl7pPr marL="2971800" indent="-228600" algn="l" defTabSz="914400" rtl="0" eaLnBrk="1" latinLnBrk="0" hangingPunct="1">
+      <a:lvl7pPr marL="1485900" indent="-228600" algn="l" defTabSz="914400" rtl="0" eaLnBrk="1" latinLnBrk="0" hangingPunct="1">
+        <a:lnSpc>
+          <a:spcPct val="100000"/>
+        </a:lnSpc>
         <a:spcBef>
-          <a:spcPct val="20000"/>
+          <a:spcPts val="1000"/>
         </a:spcBef>
+        <a:buClr>
+          <a:schemeClr val="accent2"/>
+        </a:buClr>
         <a:buFont typeface="Arial" panose="020B0604020202020204" pitchFamily="34" charset="0"/>
         <a:buChar char="•"/>
-        <a:defRPr sz="2000" kern="1200">
+        <a:defRPr sz="1600" kern="1200">
           <a:solidFill>
             <a:schemeClr val="tx1"/>
           </a:solidFill>
@@ -2993,13 +3191,19 @@
           <a:cs typeface="+mn-cs"/>
         </a:defRPr>
       </a:lvl7pPr>
-      <a:lvl8pPr marL="3429000" indent="-228600" algn="l" defTabSz="914400" rtl="0" eaLnBrk="1" latinLnBrk="0" hangingPunct="1">
+      <a:lvl8pPr marL="1657350" indent="-228600" algn="l" defTabSz="914400" rtl="0" eaLnBrk="1" latinLnBrk="0" hangingPunct="1">
+        <a:lnSpc>
+          <a:spcPct val="100000"/>
+        </a:lnSpc>
         <a:spcBef>
-          <a:spcPct val="20000"/>
+          <a:spcPts val="1000"/>
         </a:spcBef>
+        <a:buClr>
+          <a:schemeClr val="accent2"/>
+        </a:buClr>
         <a:buFont typeface="Arial" panose="020B0604020202020204" pitchFamily="34" charset="0"/>
         <a:buChar char="•"/>
-        <a:defRPr sz="2000" kern="1200">
+        <a:defRPr sz="1600" kern="1200" baseline="0">
           <a:solidFill>
             <a:schemeClr val="tx1"/>
           </a:solidFill>
@@ -3008,13 +3212,19 @@
           <a:cs typeface="+mn-cs"/>
         </a:defRPr>
       </a:lvl8pPr>
-      <a:lvl9pPr marL="3886200" indent="-228600" algn="l" defTabSz="914400" rtl="0" eaLnBrk="1" latinLnBrk="0" hangingPunct="1">
+      <a:lvl9pPr marL="1828800" indent="-228600" algn="l" defTabSz="914400" rtl="0" eaLnBrk="1" latinLnBrk="0" hangingPunct="1">
+        <a:lnSpc>
+          <a:spcPct val="100000"/>
+        </a:lnSpc>
         <a:spcBef>
-          <a:spcPct val="20000"/>
+          <a:spcPts val="1000"/>
         </a:spcBef>
+        <a:buClr>
+          <a:schemeClr val="accent2"/>
+        </a:buClr>
         <a:buFont typeface="Arial" panose="020B0604020202020204" pitchFamily="34" charset="0"/>
         <a:buChar char="•"/>
-        <a:defRPr sz="2000" kern="1200">
+        <a:defRPr sz="1600" kern="1200" baseline="0">
           <a:solidFill>
             <a:schemeClr val="tx1"/>
           </a:solidFill>
@@ -3190,11 +3400,7 @@
           <a:p>
             <a:r>
               <a:rPr lang="en-US" dirty="0" smtClean="0"/>
-              <a:t>Created </a:t>
-            </a:r>
-            <a:r>
-              <a:rPr lang="en-US" dirty="0" smtClean="0"/>
-              <a:t>by: </a:t>
+              <a:t>Created by: </a:t>
             </a:r>
             <a:r>
               <a:rPr lang="en-US" smtClean="0"/>
@@ -9071,7 +9277,7 @@
         <p:spPr/>
         <p:txBody>
           <a:bodyPr>
-            <a:normAutofit fontScale="92500" lnSpcReduction="20000"/>
+            <a:normAutofit/>
           </a:bodyPr>
           <a:lstStyle/>
           <a:p>
@@ -13595,7 +13801,7 @@
         <p:spPr/>
         <p:txBody>
           <a:bodyPr>
-            <a:normAutofit fontScale="92500" lnSpcReduction="10000"/>
+            <a:normAutofit/>
           </a:bodyPr>
           <a:lstStyle/>
           <a:p>
@@ -13755,7 +13961,7 @@
         <p:spPr/>
         <p:txBody>
           <a:bodyPr>
-            <a:normAutofit fontScale="90000"/>
+            <a:normAutofit/>
           </a:bodyPr>
           <a:lstStyle/>
           <a:p>
@@ -13783,7 +13989,7 @@
         <p:spPr/>
         <p:txBody>
           <a:bodyPr>
-            <a:normAutofit fontScale="92500" lnSpcReduction="20000"/>
+            <a:normAutofit/>
           </a:bodyPr>
           <a:lstStyle/>
           <a:p>
@@ -14211,7 +14417,7 @@
         <p:spPr/>
         <p:txBody>
           <a:bodyPr>
-            <a:normAutofit fontScale="47500" lnSpcReduction="20000"/>
+            <a:normAutofit fontScale="25000" lnSpcReduction="20000"/>
           </a:bodyPr>
           <a:lstStyle/>
           <a:p>
@@ -15445,91 +15651,58 @@
 </file>
 
 <file path=ppt/theme/theme1.xml><?xml version="1.0" encoding="utf-8"?>
-<a:theme xmlns:a="http://schemas.openxmlformats.org/drawingml/2006/main" name="Office Theme">
+<a:theme xmlns:a="http://schemas.openxmlformats.org/drawingml/2006/main" name="Parcel">
   <a:themeElements>
-    <a:clrScheme name="Office">
+    <a:clrScheme name="Parcel">
       <a:dk1>
-        <a:sysClr val="windowText" lastClr="000000"/>
+        <a:srgbClr val="000000"/>
       </a:dk1>
       <a:lt1>
-        <a:sysClr val="window" lastClr="FFFFFF"/>
+        <a:srgbClr val="FFFFFF"/>
       </a:lt1>
       <a:dk2>
-        <a:srgbClr val="1F497D"/>
+        <a:srgbClr val="635D4D"/>
       </a:dk2>
       <a:lt2>
-        <a:srgbClr val="EEECE1"/>
+        <a:srgbClr val="D8D6BA"/>
       </a:lt2>
       <a:accent1>
-        <a:srgbClr val="4F81BD"/>
+        <a:srgbClr val="9CBEBD"/>
       </a:accent1>
       <a:accent2>
-        <a:srgbClr val="C0504D"/>
+        <a:srgbClr val="D2CB6C"/>
       </a:accent2>
       <a:accent3>
-        <a:srgbClr val="9BBB59"/>
+        <a:srgbClr val="9D9A93"/>
       </a:accent3>
       <a:accent4>
-        <a:srgbClr val="8064A2"/>
+        <a:srgbClr val="C89F5D"/>
       </a:accent4>
       <a:accent5>
-        <a:srgbClr val="4BACC6"/>
+        <a:srgbClr val="A9A57C"/>
       </a:accent5>
       <a:accent6>
-        <a:srgbClr val="F79646"/>
+        <a:srgbClr val="95A39D"/>
       </a:accent6>
       <a:hlink>
-        <a:srgbClr val="0000FF"/>
+        <a:srgbClr val="D25814"/>
       </a:hlink>
       <a:folHlink>
-        <a:srgbClr val="800080"/>
+        <a:srgbClr val="849A0A"/>
       </a:folHlink>
     </a:clrScheme>
-    <a:fontScheme name="Office">
+    <a:fontScheme name="Parcel">
       <a:majorFont>
-        <a:latin typeface="Calibri"/>
+        <a:latin typeface="Gill Sans MT" panose="020B0502020104020203"/>
         <a:ea typeface=""/>
         <a:cs typeface=""/>
-        <a:font script="Jpan" typeface="ＭＳ Ｐゴシック"/>
-        <a:font script="Hang" typeface="맑은 고딕"/>
-        <a:font script="Hans" typeface="宋体"/>
-        <a:font script="Hant" typeface="新細明體"/>
-        <a:font script="Arab" typeface="Times New Roman"/>
-        <a:font script="Hebr" typeface="Times New Roman"/>
-        <a:font script="Thai" typeface="Angsana New"/>
-        <a:font script="Ethi" typeface="Nyala"/>
-        <a:font script="Beng" typeface="Vrinda"/>
-        <a:font script="Gujr" typeface="Shruti"/>
-        <a:font script="Khmr" typeface="MoolBoran"/>
-        <a:font script="Knda" typeface="Tunga"/>
-        <a:font script="Guru" typeface="Raavi"/>
-        <a:font script="Cans" typeface="Euphemia"/>
-        <a:font script="Cher" typeface="Plantagenet Cherokee"/>
-        <a:font script="Yiii" typeface="Microsoft Yi Baiti"/>
-        <a:font script="Tibt" typeface="Microsoft Himalaya"/>
-        <a:font script="Thaa" typeface="MV Boli"/>
-        <a:font script="Deva" typeface="Mangal"/>
-        <a:font script="Telu" typeface="Gautami"/>
-        <a:font script="Taml" typeface="Latha"/>
-        <a:font script="Syrc" typeface="Estrangelo Edessa"/>
-        <a:font script="Orya" typeface="Kalinga"/>
-        <a:font script="Mlym" typeface="Kartika"/>
-        <a:font script="Laoo" typeface="DokChampa"/>
-        <a:font script="Sinh" typeface="Iskoola Pota"/>
-        <a:font script="Mong" typeface="Mongolian Baiti"/>
-        <a:font script="Viet" typeface="Times New Roman"/>
-        <a:font script="Uigh" typeface="Microsoft Uighur"/>
-        <a:font script="Geor" typeface="Sylfaen"/>
-      </a:majorFont>
-      <a:minorFont>
-        <a:latin typeface="Calibri"/>
-        <a:ea typeface=""/>
-        <a:cs typeface=""/>
-        <a:font script="Jpan" typeface="ＭＳ Ｐゴシック"/>
-        <a:font script="Hang" typeface="맑은 고딕"/>
-        <a:font script="Hans" typeface="宋体"/>
-        <a:font script="Hant" typeface="新細明體"/>
-        <a:font script="Arab" typeface="Arial"/>
+        <a:font script="Grek" typeface="Corbel"/>
+        <a:font script="Cyrl" typeface="Corbel"/>
+        <a:font script="Jpan" typeface="HGｺﾞｼｯｸE"/>
+        <a:font script="Hang" typeface="휴먼매직체"/>
+        <a:font script="Hans" typeface="华文中宋"/>
+        <a:font script="Hant" typeface="微軟正黑體"/>
+        <a:font script="Arab" typeface="Majalla UI"/>
         <a:font script="Hebr" typeface="Arial"/>
         <a:font script="Thai" typeface="Cordia New"/>
         <a:font script="Ethi" typeface="Nyala"/>
@@ -15552,12 +15725,49 @@
         <a:font script="Laoo" typeface="DokChampa"/>
         <a:font script="Sinh" typeface="Iskoola Pota"/>
         <a:font script="Mong" typeface="Mongolian Baiti"/>
-        <a:font script="Viet" typeface="Arial"/>
+        <a:font script="Viet" typeface="Tahoma"/>
+        <a:font script="Uigh" typeface="Microsoft Uighur"/>
+        <a:font script="Geor" typeface="Sylfaen"/>
+      </a:majorFont>
+      <a:minorFont>
+        <a:latin typeface="Gill Sans MT" panose="020B0502020104020203"/>
+        <a:ea typeface=""/>
+        <a:cs typeface=""/>
+        <a:font script="Grek" typeface="Corbel"/>
+        <a:font script="Cyrl" typeface="Corbel"/>
+        <a:font script="Jpan" typeface="HGｺﾞｼｯｸE"/>
+        <a:font script="Hang" typeface="휴먼매직체"/>
+        <a:font script="Hans" typeface="华文中宋"/>
+        <a:font script="Hant" typeface="微軟正黑體"/>
+        <a:font script="Arab" typeface="Majalla UI"/>
+        <a:font script="Hebr" typeface="Arial"/>
+        <a:font script="Thai" typeface="Cordia New"/>
+        <a:font script="Ethi" typeface="Nyala"/>
+        <a:font script="Beng" typeface="Vrinda"/>
+        <a:font script="Gujr" typeface="Shruti"/>
+        <a:font script="Khmr" typeface="DaunPenh"/>
+        <a:font script="Knda" typeface="Tunga"/>
+        <a:font script="Guru" typeface="Raavi"/>
+        <a:font script="Cans" typeface="Euphemia"/>
+        <a:font script="Cher" typeface="Plantagenet Cherokee"/>
+        <a:font script="Yiii" typeface="Microsoft Yi Baiti"/>
+        <a:font script="Tibt" typeface="Microsoft Himalaya"/>
+        <a:font script="Thaa" typeface="MV Boli"/>
+        <a:font script="Deva" typeface="Mangal"/>
+        <a:font script="Telu" typeface="Gautami"/>
+        <a:font script="Taml" typeface="Latha"/>
+        <a:font script="Syrc" typeface="Estrangelo Edessa"/>
+        <a:font script="Orya" typeface="Kalinga"/>
+        <a:font script="Mlym" typeface="Kartika"/>
+        <a:font script="Laoo" typeface="DokChampa"/>
+        <a:font script="Sinh" typeface="Iskoola Pota"/>
+        <a:font script="Mong" typeface="Mongolian Baiti"/>
+        <a:font script="Viet" typeface="Tahoma"/>
         <a:font script="Uigh" typeface="Microsoft Uighur"/>
         <a:font script="Geor" typeface="Sylfaen"/>
       </a:minorFont>
     </a:fontScheme>
-    <a:fmtScheme name="Office">
+    <a:fmtScheme name="Parcel">
       <a:fillStyleLst>
         <a:solidFill>
           <a:schemeClr val="phClr"/>
@@ -15566,66 +15776,62 @@
           <a:gsLst>
             <a:gs pos="0">
               <a:schemeClr val="phClr">
-                <a:tint val="50000"/>
-                <a:satMod val="300000"/>
-              </a:schemeClr>
-            </a:gs>
-            <a:gs pos="35000">
-              <a:schemeClr val="phClr">
-                <a:tint val="37000"/>
-                <a:satMod val="300000"/>
+                <a:tint val="80000"/>
+                <a:satMod val="107000"/>
+                <a:lumMod val="103000"/>
               </a:schemeClr>
             </a:gs>
             <a:gs pos="100000">
               <a:schemeClr val="phClr">
-                <a:tint val="15000"/>
-                <a:satMod val="350000"/>
+                <a:tint val="82000"/>
+                <a:satMod val="109000"/>
+                <a:lumMod val="103000"/>
               </a:schemeClr>
             </a:gs>
           </a:gsLst>
-          <a:lin ang="16200000" scaled="1"/>
+          <a:lin ang="5400000" scaled="0"/>
         </a:gradFill>
         <a:gradFill rotWithShape="1">
           <a:gsLst>
             <a:gs pos="0">
               <a:schemeClr val="phClr">
-                <a:shade val="51000"/>
-                <a:satMod val="130000"/>
+                <a:tint val="97000"/>
+                <a:satMod val="100000"/>
+                <a:lumMod val="102000"/>
               </a:schemeClr>
             </a:gs>
-            <a:gs pos="80000">
+            <a:gs pos="50000">
               <a:schemeClr val="phClr">
-                <a:shade val="93000"/>
-                <a:satMod val="130000"/>
+                <a:shade val="100000"/>
+                <a:satMod val="103000"/>
+                <a:lumMod val="100000"/>
               </a:schemeClr>
             </a:gs>
             <a:gs pos="100000">
               <a:schemeClr val="phClr">
-                <a:shade val="94000"/>
-                <a:satMod val="135000"/>
+                <a:shade val="93000"/>
+                <a:satMod val="110000"/>
+                <a:lumMod val="99000"/>
               </a:schemeClr>
             </a:gs>
           </a:gsLst>
-          <a:lin ang="16200000" scaled="0"/>
+          <a:lin ang="5400000" scaled="0"/>
         </a:gradFill>
       </a:fillStyleLst>
       <a:lnStyleLst>
-        <a:ln w="9525" cap="flat" cmpd="sng" algn="ctr">
-          <a:solidFill>
-            <a:schemeClr val="phClr">
-              <a:shade val="95000"/>
-              <a:satMod val="105000"/>
-            </a:schemeClr>
-          </a:solidFill>
-          <a:prstDash val="solid"/>
-        </a:ln>
-        <a:ln w="25400" cap="flat" cmpd="sng" algn="ctr">
+        <a:ln w="6350" cap="flat" cmpd="sng" algn="ctr">
           <a:solidFill>
             <a:schemeClr val="phClr"/>
           </a:solidFill>
           <a:prstDash val="solid"/>
         </a:ln>
-        <a:ln w="38100" cap="flat" cmpd="sng" algn="ctr">
+        <a:ln w="12700" cap="flat" cmpd="sng" algn="ctr">
+          <a:solidFill>
+            <a:schemeClr val="phClr"/>
+          </a:solidFill>
+          <a:prstDash val="solid"/>
+        </a:ln>
+        <a:ln w="31750" cap="flat" cmpd="sng" algn="ctr">
           <a:solidFill>
             <a:schemeClr val="phClr"/>
           </a:solidFill>
@@ -15634,28 +15840,16 @@
       </a:lnStyleLst>
       <a:effectStyleLst>
         <a:effectStyle>
-          <a:effectLst>
-            <a:outerShdw blurRad="40000" dist="20000" dir="5400000" rotWithShape="0">
-              <a:srgbClr val="000000">
-                <a:alpha val="38000"/>
-              </a:srgbClr>
-            </a:outerShdw>
-          </a:effectLst>
+          <a:effectLst/>
+        </a:effectStyle>
+        <a:effectStyle>
+          <a:effectLst/>
         </a:effectStyle>
         <a:effectStyle>
           <a:effectLst>
-            <a:outerShdw blurRad="40000" dist="23000" dir="5400000" rotWithShape="0">
+            <a:outerShdw blurRad="55880" dist="15240" dir="5400000" algn="ctr" rotWithShape="0">
               <a:srgbClr val="000000">
-                <a:alpha val="35000"/>
-              </a:srgbClr>
-            </a:outerShdw>
-          </a:effectLst>
-        </a:effectStyle>
-        <a:effectStyle>
-          <a:effectLst>
-            <a:outerShdw blurRad="40000" dist="23000" dir="5400000" rotWithShape="0">
-              <a:srgbClr val="000000">
-                <a:alpha val="35000"/>
+                <a:alpha val="45000"/>
               </a:srgbClr>
             </a:outerShdw>
           </a:effectLst>
@@ -15663,12 +15857,10 @@
             <a:camera prst="orthographicFront">
               <a:rot lat="0" lon="0" rev="0"/>
             </a:camera>
-            <a:lightRig rig="threePt" dir="t">
-              <a:rot lat="0" lon="0" rev="1200000"/>
-            </a:lightRig>
+            <a:lightRig rig="brightRoom" dir="tl"/>
           </a:scene3d>
-          <a:sp3d>
-            <a:bevelT w="63500" h="25400"/>
+          <a:sp3d prstMaterial="dkEdge">
+            <a:bevelT w="0" h="0"/>
           </a:sp3d>
         </a:effectStyle>
       </a:effectStyleLst>
@@ -15676,49 +15868,33 @@
         <a:solidFill>
           <a:schemeClr val="phClr"/>
         </a:solidFill>
+        <a:solidFill>
+          <a:schemeClr val="phClr">
+            <a:tint val="95000"/>
+            <a:satMod val="170000"/>
+          </a:schemeClr>
+        </a:solidFill>
         <a:gradFill rotWithShape="1">
           <a:gsLst>
             <a:gs pos="0">
               <a:schemeClr val="phClr">
-                <a:tint val="40000"/>
-                <a:satMod val="350000"/>
-              </a:schemeClr>
-            </a:gs>
-            <a:gs pos="40000">
-              <a:schemeClr val="phClr">
-                <a:tint val="45000"/>
-                <a:shade val="99000"/>
-                <a:satMod val="350000"/>
+                <a:tint val="97000"/>
+                <a:shade val="100000"/>
+                <a:satMod val="185000"/>
+                <a:lumMod val="120000"/>
               </a:schemeClr>
             </a:gs>
             <a:gs pos="100000">
               <a:schemeClr val="phClr">
-                <a:shade val="20000"/>
-                <a:satMod val="255000"/>
+                <a:tint val="96000"/>
+                <a:shade val="95000"/>
+                <a:satMod val="215000"/>
+                <a:lumMod val="80000"/>
               </a:schemeClr>
             </a:gs>
           </a:gsLst>
           <a:path path="circle">
-            <a:fillToRect l="50000" t="-80000" r="50000" b="180000"/>
-          </a:path>
-        </a:gradFill>
-        <a:gradFill rotWithShape="1">
-          <a:gsLst>
-            <a:gs pos="0">
-              <a:schemeClr val="phClr">
-                <a:tint val="80000"/>
-                <a:satMod val="300000"/>
-              </a:schemeClr>
-            </a:gs>
-            <a:gs pos="100000">
-              <a:schemeClr val="phClr">
-                <a:shade val="30000"/>
-                <a:satMod val="200000"/>
-              </a:schemeClr>
-            </a:gs>
-          </a:gsLst>
-          <a:path path="circle">
-            <a:fillToRect l="50000" t="50000" r="50000" b="50000"/>
+            <a:fillToRect l="50000" t="55000" r="125000" b="100000"/>
           </a:path>
         </a:gradFill>
       </a:bgFillStyleLst>
@@ -15726,5 +15902,10 @@
   </a:themeElements>
   <a:objectDefaults/>
   <a:extraClrSchemeLst/>
+  <a:extLst>
+    <a:ext uri="{05A4C25C-085E-4340-85A3-A5531E510DB2}">
+      <thm15:themeFamily xmlns:thm15="http://schemas.microsoft.com/office/thememl/2012/main" name="Parcel" id="{8BEC4385-4EB9-4D53-BFB5-0EA123736B6D}" vid="{0BDC4BB7-8AF9-46FD-8C32-AB93AC9C4100}"/>
+    </a:ext>
+  </a:extLst>
 </a:theme>
 </file>